--- a/Java SE 8 Teaching Material/Chapter 7 - Using Decision Statement.pptx
+++ b/Java SE 8 Teaching Material/Chapter 7 - Using Decision Statement.pptx
@@ -5,13 +5,16 @@
     <p:sldMasterId id="2147483648" r:id="rId1"/>
   </p:sldMasterIdLst>
   <p:notesMasterIdLst>
-    <p:notesMasterId r:id="rId6"/>
+    <p:notesMasterId r:id="rId9"/>
   </p:notesMasterIdLst>
   <p:sldIdLst>
     <p:sldId id="256" r:id="rId2"/>
     <p:sldId id="258" r:id="rId3"/>
     <p:sldId id="259" r:id="rId4"/>
     <p:sldId id="260" r:id="rId5"/>
+    <p:sldId id="261" r:id="rId6"/>
+    <p:sldId id="262" r:id="rId7"/>
+    <p:sldId id="263" r:id="rId8"/>
   </p:sldIdLst>
   <p:sldSz cx="12192000" cy="6858000"/>
   <p:notesSz cx="6858000" cy="9144000"/>
@@ -119,6 +122,9 @@
             <p14:sldId id="258"/>
             <p14:sldId id="259"/>
             <p14:sldId id="260"/>
+            <p14:sldId id="261"/>
+            <p14:sldId id="262"/>
+            <p14:sldId id="263"/>
           </p14:sldIdLst>
         </p14:section>
       </p14:sectionLst>
@@ -1596,7 +1602,7 @@
           <a:p>
             <a:fld id="{7664DC43-F744-704A-A194-E80C7BE54CAA}" type="datetimeFigureOut">
               <a:rPr lang="en-VN" smtClean="0"/>
-              <a:t>24/8/24</a:t>
+              <a:t>25/8/24</a:t>
             </a:fld>
             <a:endParaRPr lang="en-VN"/>
           </a:p>
@@ -2011,7 +2017,7 @@
           <a:p>
             <a:fld id="{BAA8DE05-51EE-4692-B197-877FA1DAAAED}" type="datetimeFigureOut">
               <a:rPr lang="en-US" smtClean="0"/>
-              <a:t>8/24/24</a:t>
+              <a:t>8/25/24</a:t>
             </a:fld>
             <a:endParaRPr lang="en-US"/>
           </a:p>
@@ -2209,7 +2215,7 @@
           <a:p>
             <a:fld id="{BAA8DE05-51EE-4692-B197-877FA1DAAAED}" type="datetimeFigureOut">
               <a:rPr lang="en-US" smtClean="0"/>
-              <a:t>8/24/24</a:t>
+              <a:t>8/25/24</a:t>
             </a:fld>
             <a:endParaRPr lang="en-US"/>
           </a:p>
@@ -2417,7 +2423,7 @@
           <a:p>
             <a:fld id="{BAA8DE05-51EE-4692-B197-877FA1DAAAED}" type="datetimeFigureOut">
               <a:rPr lang="en-US" smtClean="0"/>
-              <a:t>8/24/24</a:t>
+              <a:t>8/25/24</a:t>
             </a:fld>
             <a:endParaRPr lang="en-US"/>
           </a:p>
@@ -2615,7 +2621,7 @@
           <a:p>
             <a:fld id="{BAA8DE05-51EE-4692-B197-877FA1DAAAED}" type="datetimeFigureOut">
               <a:rPr lang="en-US" smtClean="0"/>
-              <a:t>8/24/24</a:t>
+              <a:t>8/25/24</a:t>
             </a:fld>
             <a:endParaRPr lang="en-US"/>
           </a:p>
@@ -2890,7 +2896,7 @@
           <a:p>
             <a:fld id="{BAA8DE05-51EE-4692-B197-877FA1DAAAED}" type="datetimeFigureOut">
               <a:rPr lang="en-US" smtClean="0"/>
-              <a:t>8/24/24</a:t>
+              <a:t>8/25/24</a:t>
             </a:fld>
             <a:endParaRPr lang="en-US"/>
           </a:p>
@@ -3155,7 +3161,7 @@
           <a:p>
             <a:fld id="{BAA8DE05-51EE-4692-B197-877FA1DAAAED}" type="datetimeFigureOut">
               <a:rPr lang="en-US" smtClean="0"/>
-              <a:t>8/24/24</a:t>
+              <a:t>8/25/24</a:t>
             </a:fld>
             <a:endParaRPr lang="en-US"/>
           </a:p>
@@ -3567,7 +3573,7 @@
           <a:p>
             <a:fld id="{BAA8DE05-51EE-4692-B197-877FA1DAAAED}" type="datetimeFigureOut">
               <a:rPr lang="en-US" smtClean="0"/>
-              <a:t>8/24/24</a:t>
+              <a:t>8/25/24</a:t>
             </a:fld>
             <a:endParaRPr lang="en-US"/>
           </a:p>
@@ -3708,7 +3714,7 @@
           <a:p>
             <a:fld id="{BAA8DE05-51EE-4692-B197-877FA1DAAAED}" type="datetimeFigureOut">
               <a:rPr lang="en-US" smtClean="0"/>
-              <a:t>8/24/24</a:t>
+              <a:t>8/25/24</a:t>
             </a:fld>
             <a:endParaRPr lang="en-US"/>
           </a:p>
@@ -3821,7 +3827,7 @@
           <a:p>
             <a:fld id="{BAA8DE05-51EE-4692-B197-877FA1DAAAED}" type="datetimeFigureOut">
               <a:rPr lang="en-US" smtClean="0"/>
-              <a:t>8/24/24</a:t>
+              <a:t>8/25/24</a:t>
             </a:fld>
             <a:endParaRPr lang="en-US"/>
           </a:p>
@@ -4132,7 +4138,7 @@
           <a:p>
             <a:fld id="{BAA8DE05-51EE-4692-B197-877FA1DAAAED}" type="datetimeFigureOut">
               <a:rPr lang="en-US" smtClean="0"/>
-              <a:t>8/24/24</a:t>
+              <a:t>8/25/24</a:t>
             </a:fld>
             <a:endParaRPr lang="en-US"/>
           </a:p>
@@ -4420,7 +4426,7 @@
           <a:p>
             <a:fld id="{BAA8DE05-51EE-4692-B197-877FA1DAAAED}" type="datetimeFigureOut">
               <a:rPr lang="en-US" smtClean="0"/>
-              <a:t>8/24/24</a:t>
+              <a:t>8/25/24</a:t>
             </a:fld>
             <a:endParaRPr lang="en-US"/>
           </a:p>
@@ -4661,7 +4667,7 @@
           <a:p>
             <a:fld id="{BAA8DE05-51EE-4692-B197-877FA1DAAAED}" type="datetimeFigureOut">
               <a:rPr lang="en-US" smtClean="0"/>
-              <a:t>8/24/24</a:t>
+              <a:t>8/25/24</a:t>
             </a:fld>
             <a:endParaRPr lang="en-US"/>
           </a:p>
@@ -7015,6 +7021,88 @@
               <a:t>(code illustration snippet 24)</a:t>
             </a:r>
           </a:p>
+          <a:p>
+            <a:pPr marL="285750" indent="-285750" algn="l">
+              <a:buFontTx/>
+              <a:buChar char="-"/>
+            </a:pPr>
+            <a:r>
+              <a:rPr lang="en-US" sz="1800" dirty="0" err="1"/>
+              <a:t>The”if</a:t>
+            </a:r>
+            <a:r>
+              <a:rPr lang="en-US" sz="1800" dirty="0"/>
+              <a:t>-else” statement and ternary expression share the same characteristic: conditions are always evaluated and lead to certain codes being executed. </a:t>
+            </a:r>
+          </a:p>
+          <a:p>
+            <a:pPr marL="285750" indent="-285750" algn="l">
+              <a:buFontTx/>
+              <a:buChar char="-"/>
+            </a:pPr>
+            <a:r>
+              <a:rPr lang="en-US" sz="1800" dirty="0"/>
+              <a:t>The largest difference between them is that “if-else” statement is a </a:t>
+            </a:r>
+            <a:r>
+              <a:rPr lang="en-US" sz="1800" b="1" dirty="0"/>
+              <a:t>pure statement</a:t>
+            </a:r>
+            <a:r>
+              <a:rPr lang="en-US" sz="1800" dirty="0"/>
+              <a:t>, while ternary expression is a </a:t>
+            </a:r>
+            <a:r>
+              <a:rPr lang="en-US" sz="1800" b="1" dirty="0"/>
+              <a:t>pure expression </a:t>
+            </a:r>
+            <a:r>
+              <a:rPr lang="en-US" sz="1800" dirty="0"/>
+              <a:t>=&gt; the ternary expression must have a value on its own =&gt; and that value must be assigned or reassigned to another variable (if we use certain method inside ternary expression, that method must have a return type other than ”null”)</a:t>
+            </a:r>
+          </a:p>
+          <a:p>
+            <a:pPr algn="l"/>
+            <a:r>
+              <a:rPr lang="en-US" sz="1800" dirty="0"/>
+              <a:t>(code illustration snippet 25 – 26 – 27)</a:t>
+            </a:r>
+          </a:p>
+          <a:p>
+            <a:pPr marL="285750" indent="-285750" algn="l">
+              <a:buFontTx/>
+              <a:buChar char="-"/>
+            </a:pPr>
+            <a:r>
+              <a:rPr lang="en-US" sz="1800" dirty="0"/>
+              <a:t>There are 3 data types that the ternary expression can return (Boolean, numeric and reference) </a:t>
+            </a:r>
+          </a:p>
+          <a:p>
+            <a:pPr marL="285750" indent="-285750" algn="l">
+              <a:buFontTx/>
+              <a:buChar char="-"/>
+            </a:pPr>
+            <a:r>
+              <a:rPr lang="en-US" sz="1800" dirty="0"/>
+              <a:t>If the second and the third operand has a type of Boolean =&gt; the return type of the expression must be Boolean </a:t>
+            </a:r>
+          </a:p>
+          <a:p>
+            <a:pPr algn="l"/>
+            <a:r>
+              <a:rPr lang="en-US" sz="1800" dirty="0"/>
+              <a:t>(code illustration snippet 28)</a:t>
+            </a:r>
+          </a:p>
+          <a:p>
+            <a:pPr algn="l"/>
+            <a:endParaRPr lang="en-US" sz="1800" dirty="0"/>
+          </a:p>
+          <a:p>
+            <a:pPr algn="l"/>
+            <a:endParaRPr lang="en-US" sz="1800" dirty="0"/>
+          </a:p>
         </p:txBody>
       </p:sp>
     </p:spTree>
@@ -7309,6 +7397,2477 @@
                                           <p:spTgt spid="4">
                                             <p:txEl>
                                               <p:pRg st="5" end="5"/>
+                                            </p:txEl>
+                                          </p:spTgt>
+                                        </p:tgtEl>
+                                        <p:attrNameLst>
+                                          <p:attrName>style.visibility</p:attrName>
+                                        </p:attrNameLst>
+                                      </p:cBhvr>
+                                      <p:to>
+                                        <p:strVal val="visible"/>
+                                      </p:to>
+                                    </p:set>
+                                  </p:childTnLst>
+                                </p:cTn>
+                              </p:par>
+                            </p:childTnLst>
+                          </p:cTn>
+                        </p:par>
+                      </p:childTnLst>
+                    </p:cTn>
+                  </p:par>
+                  <p:par>
+                    <p:cTn id="27" fill="hold">
+                      <p:stCondLst>
+                        <p:cond delay="indefinite"/>
+                      </p:stCondLst>
+                      <p:childTnLst>
+                        <p:par>
+                          <p:cTn id="28" fill="hold">
+                            <p:stCondLst>
+                              <p:cond delay="0"/>
+                            </p:stCondLst>
+                            <p:childTnLst>
+                              <p:par>
+                                <p:cTn id="29" presetID="1" presetClass="entr" presetSubtype="0" fill="hold" nodeType="clickEffect">
+                                  <p:stCondLst>
+                                    <p:cond delay="0"/>
+                                  </p:stCondLst>
+                                  <p:childTnLst>
+                                    <p:set>
+                                      <p:cBhvr>
+                                        <p:cTn id="30" dur="1" fill="hold">
+                                          <p:stCondLst>
+                                            <p:cond delay="0"/>
+                                          </p:stCondLst>
+                                        </p:cTn>
+                                        <p:tgtEl>
+                                          <p:spTgt spid="4">
+                                            <p:txEl>
+                                              <p:pRg st="6" end="6"/>
+                                            </p:txEl>
+                                          </p:spTgt>
+                                        </p:tgtEl>
+                                        <p:attrNameLst>
+                                          <p:attrName>style.visibility</p:attrName>
+                                        </p:attrNameLst>
+                                      </p:cBhvr>
+                                      <p:to>
+                                        <p:strVal val="visible"/>
+                                      </p:to>
+                                    </p:set>
+                                  </p:childTnLst>
+                                </p:cTn>
+                              </p:par>
+                            </p:childTnLst>
+                          </p:cTn>
+                        </p:par>
+                      </p:childTnLst>
+                    </p:cTn>
+                  </p:par>
+                  <p:par>
+                    <p:cTn id="31" fill="hold">
+                      <p:stCondLst>
+                        <p:cond delay="indefinite"/>
+                      </p:stCondLst>
+                      <p:childTnLst>
+                        <p:par>
+                          <p:cTn id="32" fill="hold">
+                            <p:stCondLst>
+                              <p:cond delay="0"/>
+                            </p:stCondLst>
+                            <p:childTnLst>
+                              <p:par>
+                                <p:cTn id="33" presetID="1" presetClass="entr" presetSubtype="0" fill="hold" nodeType="clickEffect">
+                                  <p:stCondLst>
+                                    <p:cond delay="0"/>
+                                  </p:stCondLst>
+                                  <p:childTnLst>
+                                    <p:set>
+                                      <p:cBhvr>
+                                        <p:cTn id="34" dur="1" fill="hold">
+                                          <p:stCondLst>
+                                            <p:cond delay="0"/>
+                                          </p:stCondLst>
+                                        </p:cTn>
+                                        <p:tgtEl>
+                                          <p:spTgt spid="4">
+                                            <p:txEl>
+                                              <p:pRg st="7" end="7"/>
+                                            </p:txEl>
+                                          </p:spTgt>
+                                        </p:tgtEl>
+                                        <p:attrNameLst>
+                                          <p:attrName>style.visibility</p:attrName>
+                                        </p:attrNameLst>
+                                      </p:cBhvr>
+                                      <p:to>
+                                        <p:strVal val="visible"/>
+                                      </p:to>
+                                    </p:set>
+                                  </p:childTnLst>
+                                </p:cTn>
+                              </p:par>
+                            </p:childTnLst>
+                          </p:cTn>
+                        </p:par>
+                      </p:childTnLst>
+                    </p:cTn>
+                  </p:par>
+                  <p:par>
+                    <p:cTn id="35" fill="hold">
+                      <p:stCondLst>
+                        <p:cond delay="indefinite"/>
+                      </p:stCondLst>
+                      <p:childTnLst>
+                        <p:par>
+                          <p:cTn id="36" fill="hold">
+                            <p:stCondLst>
+                              <p:cond delay="0"/>
+                            </p:stCondLst>
+                            <p:childTnLst>
+                              <p:par>
+                                <p:cTn id="37" presetID="1" presetClass="entr" presetSubtype="0" fill="hold" nodeType="clickEffect">
+                                  <p:stCondLst>
+                                    <p:cond delay="0"/>
+                                  </p:stCondLst>
+                                  <p:childTnLst>
+                                    <p:set>
+                                      <p:cBhvr>
+                                        <p:cTn id="38" dur="1" fill="hold">
+                                          <p:stCondLst>
+                                            <p:cond delay="0"/>
+                                          </p:stCondLst>
+                                        </p:cTn>
+                                        <p:tgtEl>
+                                          <p:spTgt spid="4">
+                                            <p:txEl>
+                                              <p:pRg st="8" end="8"/>
+                                            </p:txEl>
+                                          </p:spTgt>
+                                        </p:tgtEl>
+                                        <p:attrNameLst>
+                                          <p:attrName>style.visibility</p:attrName>
+                                        </p:attrNameLst>
+                                      </p:cBhvr>
+                                      <p:to>
+                                        <p:strVal val="visible"/>
+                                      </p:to>
+                                    </p:set>
+                                  </p:childTnLst>
+                                </p:cTn>
+                              </p:par>
+                            </p:childTnLst>
+                          </p:cTn>
+                        </p:par>
+                      </p:childTnLst>
+                    </p:cTn>
+                  </p:par>
+                  <p:par>
+                    <p:cTn id="39" fill="hold">
+                      <p:stCondLst>
+                        <p:cond delay="indefinite"/>
+                      </p:stCondLst>
+                      <p:childTnLst>
+                        <p:par>
+                          <p:cTn id="40" fill="hold">
+                            <p:stCondLst>
+                              <p:cond delay="0"/>
+                            </p:stCondLst>
+                            <p:childTnLst>
+                              <p:par>
+                                <p:cTn id="41" presetID="1" presetClass="entr" presetSubtype="0" fill="hold" nodeType="clickEffect">
+                                  <p:stCondLst>
+                                    <p:cond delay="0"/>
+                                  </p:stCondLst>
+                                  <p:childTnLst>
+                                    <p:set>
+                                      <p:cBhvr>
+                                        <p:cTn id="42" dur="1" fill="hold">
+                                          <p:stCondLst>
+                                            <p:cond delay="0"/>
+                                          </p:stCondLst>
+                                        </p:cTn>
+                                        <p:tgtEl>
+                                          <p:spTgt spid="4">
+                                            <p:txEl>
+                                              <p:pRg st="9" end="9"/>
+                                            </p:txEl>
+                                          </p:spTgt>
+                                        </p:tgtEl>
+                                        <p:attrNameLst>
+                                          <p:attrName>style.visibility</p:attrName>
+                                        </p:attrNameLst>
+                                      </p:cBhvr>
+                                      <p:to>
+                                        <p:strVal val="visible"/>
+                                      </p:to>
+                                    </p:set>
+                                  </p:childTnLst>
+                                </p:cTn>
+                              </p:par>
+                            </p:childTnLst>
+                          </p:cTn>
+                        </p:par>
+                      </p:childTnLst>
+                    </p:cTn>
+                  </p:par>
+                  <p:par>
+                    <p:cTn id="43" fill="hold">
+                      <p:stCondLst>
+                        <p:cond delay="indefinite"/>
+                      </p:stCondLst>
+                      <p:childTnLst>
+                        <p:par>
+                          <p:cTn id="44" fill="hold">
+                            <p:stCondLst>
+                              <p:cond delay="0"/>
+                            </p:stCondLst>
+                            <p:childTnLst>
+                              <p:par>
+                                <p:cTn id="45" presetID="1" presetClass="entr" presetSubtype="0" fill="hold" nodeType="clickEffect">
+                                  <p:stCondLst>
+                                    <p:cond delay="0"/>
+                                  </p:stCondLst>
+                                  <p:childTnLst>
+                                    <p:set>
+                                      <p:cBhvr>
+                                        <p:cTn id="46" dur="1" fill="hold">
+                                          <p:stCondLst>
+                                            <p:cond delay="0"/>
+                                          </p:stCondLst>
+                                        </p:cTn>
+                                        <p:tgtEl>
+                                          <p:spTgt spid="4">
+                                            <p:txEl>
+                                              <p:pRg st="10" end="10"/>
+                                            </p:txEl>
+                                          </p:spTgt>
+                                        </p:tgtEl>
+                                        <p:attrNameLst>
+                                          <p:attrName>style.visibility</p:attrName>
+                                        </p:attrNameLst>
+                                      </p:cBhvr>
+                                      <p:to>
+                                        <p:strVal val="visible"/>
+                                      </p:to>
+                                    </p:set>
+                                  </p:childTnLst>
+                                </p:cTn>
+                              </p:par>
+                            </p:childTnLst>
+                          </p:cTn>
+                        </p:par>
+                      </p:childTnLst>
+                    </p:cTn>
+                  </p:par>
+                  <p:par>
+                    <p:cTn id="47" fill="hold">
+                      <p:stCondLst>
+                        <p:cond delay="indefinite"/>
+                      </p:stCondLst>
+                      <p:childTnLst>
+                        <p:par>
+                          <p:cTn id="48" fill="hold">
+                            <p:stCondLst>
+                              <p:cond delay="0"/>
+                            </p:stCondLst>
+                            <p:childTnLst>
+                              <p:par>
+                                <p:cTn id="49" presetID="1" presetClass="entr" presetSubtype="0" fill="hold" nodeType="clickEffect">
+                                  <p:stCondLst>
+                                    <p:cond delay="0"/>
+                                  </p:stCondLst>
+                                  <p:childTnLst>
+                                    <p:set>
+                                      <p:cBhvr>
+                                        <p:cTn id="50" dur="1" fill="hold">
+                                          <p:stCondLst>
+                                            <p:cond delay="0"/>
+                                          </p:stCondLst>
+                                        </p:cTn>
+                                        <p:tgtEl>
+                                          <p:spTgt spid="4">
+                                            <p:txEl>
+                                              <p:pRg st="11" end="11"/>
+                                            </p:txEl>
+                                          </p:spTgt>
+                                        </p:tgtEl>
+                                        <p:attrNameLst>
+                                          <p:attrName>style.visibility</p:attrName>
+                                        </p:attrNameLst>
+                                      </p:cBhvr>
+                                      <p:to>
+                                        <p:strVal val="visible"/>
+                                      </p:to>
+                                    </p:set>
+                                  </p:childTnLst>
+                                </p:cTn>
+                              </p:par>
+                            </p:childTnLst>
+                          </p:cTn>
+                        </p:par>
+                      </p:childTnLst>
+                    </p:cTn>
+                  </p:par>
+                </p:childTnLst>
+              </p:cTn>
+              <p:prevCondLst>
+                <p:cond evt="onPrev" delay="0">
+                  <p:tgtEl>
+                    <p:sldTgt/>
+                  </p:tgtEl>
+                </p:cond>
+              </p:prevCondLst>
+              <p:nextCondLst>
+                <p:cond evt="onNext" delay="0">
+                  <p:tgtEl>
+                    <p:sldTgt/>
+                  </p:tgtEl>
+                </p:cond>
+              </p:nextCondLst>
+            </p:seq>
+          </p:childTnLst>
+        </p:cTn>
+      </p:par>
+    </p:tnLst>
+  </p:timing>
+</p:sld>
+</file>
+
+<file path=ppt/slides/slide5.xml><?xml version="1.0" encoding="utf-8"?>
+<p:sld xmlns:a="http://schemas.openxmlformats.org/drawingml/2006/main" xmlns:r="http://schemas.openxmlformats.org/officeDocument/2006/relationships" xmlns:p="http://schemas.openxmlformats.org/presentationml/2006/main">
+  <p:cSld>
+    <p:spTree>
+      <p:nvGrpSpPr>
+        <p:cNvPr id="1" name="">
+          <a:extLst>
+            <a:ext uri="{FF2B5EF4-FFF2-40B4-BE49-F238E27FC236}">
+              <a16:creationId xmlns:a16="http://schemas.microsoft.com/office/drawing/2014/main" id="{7491C06A-F5D7-90D3-13F2-43CDD76D6455}"/>
+            </a:ext>
+          </a:extLst>
+        </p:cNvPr>
+        <p:cNvGrpSpPr/>
+        <p:nvPr/>
+      </p:nvGrpSpPr>
+      <p:grpSpPr>
+        <a:xfrm>
+          <a:off x="0" y="0"/>
+          <a:ext cx="0" cy="0"/>
+          <a:chOff x="0" y="0"/>
+          <a:chExt cx="0" cy="0"/>
+        </a:xfrm>
+      </p:grpSpPr>
+      <p:sp>
+        <p:nvSpPr>
+          <p:cNvPr id="3" name="Subtitle 2">
+            <a:extLst>
+              <a:ext uri="{FF2B5EF4-FFF2-40B4-BE49-F238E27FC236}">
+                <a16:creationId xmlns:a16="http://schemas.microsoft.com/office/drawing/2014/main" id="{B17ABA8B-FFAC-1975-A542-B0FF3057EAE3}"/>
+              </a:ext>
+            </a:extLst>
+          </p:cNvPr>
+          <p:cNvSpPr>
+            <a:spLocks noGrp="1"/>
+          </p:cNvSpPr>
+          <p:nvPr>
+            <p:ph type="subTitle" idx="1"/>
+          </p:nvPr>
+        </p:nvSpPr>
+        <p:spPr>
+          <a:xfrm>
+            <a:off x="97971" y="293688"/>
+            <a:ext cx="8490858" cy="303212"/>
+          </a:xfrm>
+        </p:spPr>
+        <p:txBody>
+          <a:bodyPr>
+            <a:normAutofit fontScale="92500" lnSpcReduction="20000"/>
+          </a:bodyPr>
+          <a:lstStyle/>
+          <a:p>
+            <a:r>
+              <a:rPr lang="en-US" sz="1800" b="1" dirty="0"/>
+              <a:t>7.2 Create ternary constructs – </a:t>
+            </a:r>
+            <a:r>
+              <a:rPr lang="en-US" sz="1800" dirty="0"/>
+              <a:t>7.2.1 The ternary conditional operator</a:t>
+            </a:r>
+            <a:endParaRPr lang="en-US" sz="1800" b="1" dirty="0"/>
+          </a:p>
+        </p:txBody>
+      </p:sp>
+      <p:sp>
+        <p:nvSpPr>
+          <p:cNvPr id="4" name="Subtitle 2">
+            <a:extLst>
+              <a:ext uri="{FF2B5EF4-FFF2-40B4-BE49-F238E27FC236}">
+                <a16:creationId xmlns:a16="http://schemas.microsoft.com/office/drawing/2014/main" id="{BB3BA932-83F4-5E2D-843D-E1BD999D77F4}"/>
+              </a:ext>
+            </a:extLst>
+          </p:cNvPr>
+          <p:cNvSpPr txBox="1">
+            <a:spLocks/>
+          </p:cNvSpPr>
+          <p:nvPr/>
+        </p:nvSpPr>
+        <p:spPr>
+          <a:xfrm>
+            <a:off x="0" y="820738"/>
+            <a:ext cx="12192000" cy="6037262"/>
+          </a:xfrm>
+          <a:prstGeom prst="rect">
+            <a:avLst/>
+          </a:prstGeom>
+        </p:spPr>
+        <p:txBody>
+          <a:bodyPr vert="horz" lIns="91440" tIns="45720" rIns="91440" bIns="45720" rtlCol="0">
+            <a:normAutofit/>
+          </a:bodyPr>
+          <a:lstStyle>
+            <a:lvl1pPr marL="0" indent="0" algn="ctr" defTabSz="914400" rtl="0" eaLnBrk="1" latinLnBrk="0" hangingPunct="1">
+              <a:lnSpc>
+                <a:spcPct val="90000"/>
+              </a:lnSpc>
+              <a:spcBef>
+                <a:spcPts val="1000"/>
+              </a:spcBef>
+              <a:buFont typeface="Arial" panose="020B0604020202020204" pitchFamily="34" charset="0"/>
+              <a:buNone/>
+              <a:defRPr sz="2400" kern="1200">
+                <a:solidFill>
+                  <a:schemeClr val="tx1"/>
+                </a:solidFill>
+                <a:latin typeface="+mn-lt"/>
+                <a:ea typeface="+mn-ea"/>
+                <a:cs typeface="+mn-cs"/>
+              </a:defRPr>
+            </a:lvl1pPr>
+            <a:lvl2pPr marL="457200" indent="0" algn="ctr" defTabSz="914400" rtl="0" eaLnBrk="1" latinLnBrk="0" hangingPunct="1">
+              <a:lnSpc>
+                <a:spcPct val="90000"/>
+              </a:lnSpc>
+              <a:spcBef>
+                <a:spcPts val="500"/>
+              </a:spcBef>
+              <a:buFont typeface="Arial" panose="020B0604020202020204" pitchFamily="34" charset="0"/>
+              <a:buNone/>
+              <a:defRPr sz="2000" kern="1200">
+                <a:solidFill>
+                  <a:schemeClr val="tx1"/>
+                </a:solidFill>
+                <a:latin typeface="+mn-lt"/>
+                <a:ea typeface="+mn-ea"/>
+                <a:cs typeface="+mn-cs"/>
+              </a:defRPr>
+            </a:lvl2pPr>
+            <a:lvl3pPr marL="914400" indent="0" algn="ctr" defTabSz="914400" rtl="0" eaLnBrk="1" latinLnBrk="0" hangingPunct="1">
+              <a:lnSpc>
+                <a:spcPct val="90000"/>
+              </a:lnSpc>
+              <a:spcBef>
+                <a:spcPts val="500"/>
+              </a:spcBef>
+              <a:buFont typeface="Arial" panose="020B0604020202020204" pitchFamily="34" charset="0"/>
+              <a:buNone/>
+              <a:defRPr sz="1800" kern="1200">
+                <a:solidFill>
+                  <a:schemeClr val="tx1"/>
+                </a:solidFill>
+                <a:latin typeface="+mn-lt"/>
+                <a:ea typeface="+mn-ea"/>
+                <a:cs typeface="+mn-cs"/>
+              </a:defRPr>
+            </a:lvl3pPr>
+            <a:lvl4pPr marL="1371600" indent="0" algn="ctr" defTabSz="914400" rtl="0" eaLnBrk="1" latinLnBrk="0" hangingPunct="1">
+              <a:lnSpc>
+                <a:spcPct val="90000"/>
+              </a:lnSpc>
+              <a:spcBef>
+                <a:spcPts val="500"/>
+              </a:spcBef>
+              <a:buFont typeface="Arial" panose="020B0604020202020204" pitchFamily="34" charset="0"/>
+              <a:buNone/>
+              <a:defRPr sz="1600" kern="1200">
+                <a:solidFill>
+                  <a:schemeClr val="tx1"/>
+                </a:solidFill>
+                <a:latin typeface="+mn-lt"/>
+                <a:ea typeface="+mn-ea"/>
+                <a:cs typeface="+mn-cs"/>
+              </a:defRPr>
+            </a:lvl4pPr>
+            <a:lvl5pPr marL="1828800" indent="0" algn="ctr" defTabSz="914400" rtl="0" eaLnBrk="1" latinLnBrk="0" hangingPunct="1">
+              <a:lnSpc>
+                <a:spcPct val="90000"/>
+              </a:lnSpc>
+              <a:spcBef>
+                <a:spcPts val="500"/>
+              </a:spcBef>
+              <a:buFont typeface="Arial" panose="020B0604020202020204" pitchFamily="34" charset="0"/>
+              <a:buNone/>
+              <a:defRPr sz="1600" kern="1200">
+                <a:solidFill>
+                  <a:schemeClr val="tx1"/>
+                </a:solidFill>
+                <a:latin typeface="+mn-lt"/>
+                <a:ea typeface="+mn-ea"/>
+                <a:cs typeface="+mn-cs"/>
+              </a:defRPr>
+            </a:lvl5pPr>
+            <a:lvl6pPr marL="2286000" indent="0" algn="ctr" defTabSz="914400" rtl="0" eaLnBrk="1" latinLnBrk="0" hangingPunct="1">
+              <a:lnSpc>
+                <a:spcPct val="90000"/>
+              </a:lnSpc>
+              <a:spcBef>
+                <a:spcPts val="500"/>
+              </a:spcBef>
+              <a:buFont typeface="Arial" panose="020B0604020202020204" pitchFamily="34" charset="0"/>
+              <a:buNone/>
+              <a:defRPr sz="1600" kern="1200">
+                <a:solidFill>
+                  <a:schemeClr val="tx1"/>
+                </a:solidFill>
+                <a:latin typeface="+mn-lt"/>
+                <a:ea typeface="+mn-ea"/>
+                <a:cs typeface="+mn-cs"/>
+              </a:defRPr>
+            </a:lvl6pPr>
+            <a:lvl7pPr marL="2743200" indent="0" algn="ctr" defTabSz="914400" rtl="0" eaLnBrk="1" latinLnBrk="0" hangingPunct="1">
+              <a:lnSpc>
+                <a:spcPct val="90000"/>
+              </a:lnSpc>
+              <a:spcBef>
+                <a:spcPts val="500"/>
+              </a:spcBef>
+              <a:buFont typeface="Arial" panose="020B0604020202020204" pitchFamily="34" charset="0"/>
+              <a:buNone/>
+              <a:defRPr sz="1600" kern="1200">
+                <a:solidFill>
+                  <a:schemeClr val="tx1"/>
+                </a:solidFill>
+                <a:latin typeface="+mn-lt"/>
+                <a:ea typeface="+mn-ea"/>
+                <a:cs typeface="+mn-cs"/>
+              </a:defRPr>
+            </a:lvl7pPr>
+            <a:lvl8pPr marL="3200400" indent="0" algn="ctr" defTabSz="914400" rtl="0" eaLnBrk="1" latinLnBrk="0" hangingPunct="1">
+              <a:lnSpc>
+                <a:spcPct val="90000"/>
+              </a:lnSpc>
+              <a:spcBef>
+                <a:spcPts val="500"/>
+              </a:spcBef>
+              <a:buFont typeface="Arial" panose="020B0604020202020204" pitchFamily="34" charset="0"/>
+              <a:buNone/>
+              <a:defRPr sz="1600" kern="1200">
+                <a:solidFill>
+                  <a:schemeClr val="tx1"/>
+                </a:solidFill>
+                <a:latin typeface="+mn-lt"/>
+                <a:ea typeface="+mn-ea"/>
+                <a:cs typeface="+mn-cs"/>
+              </a:defRPr>
+            </a:lvl8pPr>
+            <a:lvl9pPr marL="3657600" indent="0" algn="ctr" defTabSz="914400" rtl="0" eaLnBrk="1" latinLnBrk="0" hangingPunct="1">
+              <a:lnSpc>
+                <a:spcPct val="90000"/>
+              </a:lnSpc>
+              <a:spcBef>
+                <a:spcPts val="500"/>
+              </a:spcBef>
+              <a:buFont typeface="Arial" panose="020B0604020202020204" pitchFamily="34" charset="0"/>
+              <a:buNone/>
+              <a:defRPr sz="1600" kern="1200">
+                <a:solidFill>
+                  <a:schemeClr val="tx1"/>
+                </a:solidFill>
+                <a:latin typeface="+mn-lt"/>
+                <a:ea typeface="+mn-ea"/>
+                <a:cs typeface="+mn-cs"/>
+              </a:defRPr>
+            </a:lvl9pPr>
+          </a:lstStyle>
+          <a:p>
+            <a:pPr marL="285750" indent="-285750" algn="l">
+              <a:buFontTx/>
+              <a:buChar char="-"/>
+            </a:pPr>
+            <a:r>
+              <a:rPr lang="en-US" sz="1800" dirty="0"/>
+              <a:t>If the second and the third operand of the ternary expression is numeric =&gt; the return type of the expression must be a numeric type with a size larger than the 2</a:t>
+            </a:r>
+            <a:r>
+              <a:rPr lang="en-US" sz="1800" baseline="30000" dirty="0"/>
+              <a:t>nd</a:t>
+            </a:r>
+            <a:r>
+              <a:rPr lang="en-US" sz="1800" dirty="0"/>
+              <a:t> and 3</a:t>
+            </a:r>
+            <a:r>
+              <a:rPr lang="en-US" sz="1800" baseline="30000" dirty="0"/>
+              <a:t>rd</a:t>
+            </a:r>
+            <a:r>
+              <a:rPr lang="en-US" sz="1800" dirty="0"/>
+              <a:t> operand numeric type (if you want to assign return value of the expression to a target variable with smaller size =&gt; casting is required) </a:t>
+            </a:r>
+          </a:p>
+          <a:p>
+            <a:pPr algn="l"/>
+            <a:r>
+              <a:rPr lang="en-US" sz="1800" dirty="0"/>
+              <a:t>(code illustration snippet 29 – 30 – 31) </a:t>
+            </a:r>
+          </a:p>
+          <a:p>
+            <a:pPr algn="l"/>
+            <a:r>
+              <a:rPr lang="en-US" sz="1800" dirty="0"/>
+              <a:t>(code illustration snippet 32 – 33 – 34 – 35 for different type operands) </a:t>
+            </a:r>
+          </a:p>
+        </p:txBody>
+      </p:sp>
+    </p:spTree>
+    <p:extLst>
+      <p:ext uri="{BB962C8B-B14F-4D97-AF65-F5344CB8AC3E}">
+        <p14:creationId xmlns:p14="http://schemas.microsoft.com/office/powerpoint/2010/main" val="2528062383"/>
+      </p:ext>
+    </p:extLst>
+  </p:cSld>
+  <p:clrMapOvr>
+    <a:masterClrMapping/>
+  </p:clrMapOvr>
+  <p:timing>
+    <p:tnLst>
+      <p:par>
+        <p:cTn id="1" dur="indefinite" restart="never" nodeType="tmRoot">
+          <p:childTnLst>
+            <p:seq concurrent="1" nextAc="seek">
+              <p:cTn id="2" dur="indefinite" nodeType="mainSeq">
+                <p:childTnLst>
+                  <p:par>
+                    <p:cTn id="3" fill="hold">
+                      <p:stCondLst>
+                        <p:cond delay="indefinite"/>
+                      </p:stCondLst>
+                      <p:childTnLst>
+                        <p:par>
+                          <p:cTn id="4" fill="hold">
+                            <p:stCondLst>
+                              <p:cond delay="0"/>
+                            </p:stCondLst>
+                            <p:childTnLst>
+                              <p:par>
+                                <p:cTn id="5" presetID="1" presetClass="entr" presetSubtype="0" fill="hold" nodeType="clickEffect">
+                                  <p:stCondLst>
+                                    <p:cond delay="0"/>
+                                  </p:stCondLst>
+                                  <p:childTnLst>
+                                    <p:set>
+                                      <p:cBhvr>
+                                        <p:cTn id="6" dur="1" fill="hold">
+                                          <p:stCondLst>
+                                            <p:cond delay="0"/>
+                                          </p:stCondLst>
+                                        </p:cTn>
+                                        <p:tgtEl>
+                                          <p:spTgt spid="4">
+                                            <p:txEl>
+                                              <p:pRg st="0" end="0"/>
+                                            </p:txEl>
+                                          </p:spTgt>
+                                        </p:tgtEl>
+                                        <p:attrNameLst>
+                                          <p:attrName>style.visibility</p:attrName>
+                                        </p:attrNameLst>
+                                      </p:cBhvr>
+                                      <p:to>
+                                        <p:strVal val="visible"/>
+                                      </p:to>
+                                    </p:set>
+                                  </p:childTnLst>
+                                </p:cTn>
+                              </p:par>
+                            </p:childTnLst>
+                          </p:cTn>
+                        </p:par>
+                      </p:childTnLst>
+                    </p:cTn>
+                  </p:par>
+                  <p:par>
+                    <p:cTn id="7" fill="hold">
+                      <p:stCondLst>
+                        <p:cond delay="indefinite"/>
+                      </p:stCondLst>
+                      <p:childTnLst>
+                        <p:par>
+                          <p:cTn id="8" fill="hold">
+                            <p:stCondLst>
+                              <p:cond delay="0"/>
+                            </p:stCondLst>
+                            <p:childTnLst>
+                              <p:par>
+                                <p:cTn id="9" presetID="1" presetClass="entr" presetSubtype="0" fill="hold" nodeType="clickEffect">
+                                  <p:stCondLst>
+                                    <p:cond delay="0"/>
+                                  </p:stCondLst>
+                                  <p:childTnLst>
+                                    <p:set>
+                                      <p:cBhvr>
+                                        <p:cTn id="10" dur="1" fill="hold">
+                                          <p:stCondLst>
+                                            <p:cond delay="0"/>
+                                          </p:stCondLst>
+                                        </p:cTn>
+                                        <p:tgtEl>
+                                          <p:spTgt spid="4">
+                                            <p:txEl>
+                                              <p:pRg st="1" end="1"/>
+                                            </p:txEl>
+                                          </p:spTgt>
+                                        </p:tgtEl>
+                                        <p:attrNameLst>
+                                          <p:attrName>style.visibility</p:attrName>
+                                        </p:attrNameLst>
+                                      </p:cBhvr>
+                                      <p:to>
+                                        <p:strVal val="visible"/>
+                                      </p:to>
+                                    </p:set>
+                                  </p:childTnLst>
+                                </p:cTn>
+                              </p:par>
+                            </p:childTnLst>
+                          </p:cTn>
+                        </p:par>
+                      </p:childTnLst>
+                    </p:cTn>
+                  </p:par>
+                  <p:par>
+                    <p:cTn id="11" fill="hold">
+                      <p:stCondLst>
+                        <p:cond delay="indefinite"/>
+                      </p:stCondLst>
+                      <p:childTnLst>
+                        <p:par>
+                          <p:cTn id="12" fill="hold">
+                            <p:stCondLst>
+                              <p:cond delay="0"/>
+                            </p:stCondLst>
+                            <p:childTnLst>
+                              <p:par>
+                                <p:cTn id="13" presetID="1" presetClass="entr" presetSubtype="0" fill="hold" nodeType="clickEffect">
+                                  <p:stCondLst>
+                                    <p:cond delay="0"/>
+                                  </p:stCondLst>
+                                  <p:childTnLst>
+                                    <p:set>
+                                      <p:cBhvr>
+                                        <p:cTn id="14" dur="1" fill="hold">
+                                          <p:stCondLst>
+                                            <p:cond delay="0"/>
+                                          </p:stCondLst>
+                                        </p:cTn>
+                                        <p:tgtEl>
+                                          <p:spTgt spid="4">
+                                            <p:txEl>
+                                              <p:pRg st="2" end="2"/>
+                                            </p:txEl>
+                                          </p:spTgt>
+                                        </p:tgtEl>
+                                        <p:attrNameLst>
+                                          <p:attrName>style.visibility</p:attrName>
+                                        </p:attrNameLst>
+                                      </p:cBhvr>
+                                      <p:to>
+                                        <p:strVal val="visible"/>
+                                      </p:to>
+                                    </p:set>
+                                  </p:childTnLst>
+                                </p:cTn>
+                              </p:par>
+                            </p:childTnLst>
+                          </p:cTn>
+                        </p:par>
+                      </p:childTnLst>
+                    </p:cTn>
+                  </p:par>
+                </p:childTnLst>
+              </p:cTn>
+              <p:prevCondLst>
+                <p:cond evt="onPrev" delay="0">
+                  <p:tgtEl>
+                    <p:sldTgt/>
+                  </p:tgtEl>
+                </p:cond>
+              </p:prevCondLst>
+              <p:nextCondLst>
+                <p:cond evt="onNext" delay="0">
+                  <p:tgtEl>
+                    <p:sldTgt/>
+                  </p:tgtEl>
+                </p:cond>
+              </p:nextCondLst>
+            </p:seq>
+          </p:childTnLst>
+        </p:cTn>
+      </p:par>
+    </p:tnLst>
+  </p:timing>
+</p:sld>
+</file>
+
+<file path=ppt/slides/slide6.xml><?xml version="1.0" encoding="utf-8"?>
+<p:sld xmlns:a="http://schemas.openxmlformats.org/drawingml/2006/main" xmlns:r="http://schemas.openxmlformats.org/officeDocument/2006/relationships" xmlns:p="http://schemas.openxmlformats.org/presentationml/2006/main">
+  <p:cSld>
+    <p:spTree>
+      <p:nvGrpSpPr>
+        <p:cNvPr id="1" name="">
+          <a:extLst>
+            <a:ext uri="{FF2B5EF4-FFF2-40B4-BE49-F238E27FC236}">
+              <a16:creationId xmlns:a16="http://schemas.microsoft.com/office/drawing/2014/main" id="{67C6FC5B-203C-4513-4A16-CC051AE12E1B}"/>
+            </a:ext>
+          </a:extLst>
+        </p:cNvPr>
+        <p:cNvGrpSpPr/>
+        <p:nvPr/>
+      </p:nvGrpSpPr>
+      <p:grpSpPr>
+        <a:xfrm>
+          <a:off x="0" y="0"/>
+          <a:ext cx="0" cy="0"/>
+          <a:chOff x="0" y="0"/>
+          <a:chExt cx="0" cy="0"/>
+        </a:xfrm>
+      </p:grpSpPr>
+      <p:sp>
+        <p:nvSpPr>
+          <p:cNvPr id="3" name="Subtitle 2">
+            <a:extLst>
+              <a:ext uri="{FF2B5EF4-FFF2-40B4-BE49-F238E27FC236}">
+                <a16:creationId xmlns:a16="http://schemas.microsoft.com/office/drawing/2014/main" id="{412AD93C-ACBE-B069-3C1F-58B6A768242B}"/>
+              </a:ext>
+            </a:extLst>
+          </p:cNvPr>
+          <p:cNvSpPr>
+            <a:spLocks noGrp="1"/>
+          </p:cNvSpPr>
+          <p:nvPr>
+            <p:ph type="subTitle" idx="1"/>
+          </p:nvPr>
+        </p:nvSpPr>
+        <p:spPr>
+          <a:xfrm>
+            <a:off x="97971" y="293688"/>
+            <a:ext cx="8490858" cy="303212"/>
+          </a:xfrm>
+        </p:spPr>
+        <p:txBody>
+          <a:bodyPr>
+            <a:normAutofit fontScale="92500" lnSpcReduction="20000"/>
+          </a:bodyPr>
+          <a:lstStyle/>
+          <a:p>
+            <a:r>
+              <a:rPr lang="en-US" sz="1800" b="1" dirty="0"/>
+              <a:t>7.3 Use a switch statement </a:t>
+            </a:r>
+            <a:r>
+              <a:rPr lang="en-US" sz="1800" dirty="0"/>
+              <a:t>– 7.3.1 Creating a switch statement</a:t>
+            </a:r>
+            <a:endParaRPr lang="en-US" sz="1800" b="1" dirty="0"/>
+          </a:p>
+        </p:txBody>
+      </p:sp>
+      <p:sp>
+        <p:nvSpPr>
+          <p:cNvPr id="4" name="Subtitle 2">
+            <a:extLst>
+              <a:ext uri="{FF2B5EF4-FFF2-40B4-BE49-F238E27FC236}">
+                <a16:creationId xmlns:a16="http://schemas.microsoft.com/office/drawing/2014/main" id="{36494216-24C0-2A01-CA50-9C8064928B6B}"/>
+              </a:ext>
+            </a:extLst>
+          </p:cNvPr>
+          <p:cNvSpPr txBox="1">
+            <a:spLocks/>
+          </p:cNvSpPr>
+          <p:nvPr/>
+        </p:nvSpPr>
+        <p:spPr>
+          <a:xfrm>
+            <a:off x="0" y="820738"/>
+            <a:ext cx="12192000" cy="6037262"/>
+          </a:xfrm>
+          <a:prstGeom prst="rect">
+            <a:avLst/>
+          </a:prstGeom>
+        </p:spPr>
+        <p:txBody>
+          <a:bodyPr vert="horz" lIns="91440" tIns="45720" rIns="91440" bIns="45720" rtlCol="0">
+            <a:normAutofit/>
+          </a:bodyPr>
+          <a:lstStyle>
+            <a:lvl1pPr marL="0" indent="0" algn="ctr" defTabSz="914400" rtl="0" eaLnBrk="1" latinLnBrk="0" hangingPunct="1">
+              <a:lnSpc>
+                <a:spcPct val="90000"/>
+              </a:lnSpc>
+              <a:spcBef>
+                <a:spcPts val="1000"/>
+              </a:spcBef>
+              <a:buFont typeface="Arial" panose="020B0604020202020204" pitchFamily="34" charset="0"/>
+              <a:buNone/>
+              <a:defRPr sz="2400" kern="1200">
+                <a:solidFill>
+                  <a:schemeClr val="tx1"/>
+                </a:solidFill>
+                <a:latin typeface="+mn-lt"/>
+                <a:ea typeface="+mn-ea"/>
+                <a:cs typeface="+mn-cs"/>
+              </a:defRPr>
+            </a:lvl1pPr>
+            <a:lvl2pPr marL="457200" indent="0" algn="ctr" defTabSz="914400" rtl="0" eaLnBrk="1" latinLnBrk="0" hangingPunct="1">
+              <a:lnSpc>
+                <a:spcPct val="90000"/>
+              </a:lnSpc>
+              <a:spcBef>
+                <a:spcPts val="500"/>
+              </a:spcBef>
+              <a:buFont typeface="Arial" panose="020B0604020202020204" pitchFamily="34" charset="0"/>
+              <a:buNone/>
+              <a:defRPr sz="2000" kern="1200">
+                <a:solidFill>
+                  <a:schemeClr val="tx1"/>
+                </a:solidFill>
+                <a:latin typeface="+mn-lt"/>
+                <a:ea typeface="+mn-ea"/>
+                <a:cs typeface="+mn-cs"/>
+              </a:defRPr>
+            </a:lvl2pPr>
+            <a:lvl3pPr marL="914400" indent="0" algn="ctr" defTabSz="914400" rtl="0" eaLnBrk="1" latinLnBrk="0" hangingPunct="1">
+              <a:lnSpc>
+                <a:spcPct val="90000"/>
+              </a:lnSpc>
+              <a:spcBef>
+                <a:spcPts val="500"/>
+              </a:spcBef>
+              <a:buFont typeface="Arial" panose="020B0604020202020204" pitchFamily="34" charset="0"/>
+              <a:buNone/>
+              <a:defRPr sz="1800" kern="1200">
+                <a:solidFill>
+                  <a:schemeClr val="tx1"/>
+                </a:solidFill>
+                <a:latin typeface="+mn-lt"/>
+                <a:ea typeface="+mn-ea"/>
+                <a:cs typeface="+mn-cs"/>
+              </a:defRPr>
+            </a:lvl3pPr>
+            <a:lvl4pPr marL="1371600" indent="0" algn="ctr" defTabSz="914400" rtl="0" eaLnBrk="1" latinLnBrk="0" hangingPunct="1">
+              <a:lnSpc>
+                <a:spcPct val="90000"/>
+              </a:lnSpc>
+              <a:spcBef>
+                <a:spcPts val="500"/>
+              </a:spcBef>
+              <a:buFont typeface="Arial" panose="020B0604020202020204" pitchFamily="34" charset="0"/>
+              <a:buNone/>
+              <a:defRPr sz="1600" kern="1200">
+                <a:solidFill>
+                  <a:schemeClr val="tx1"/>
+                </a:solidFill>
+                <a:latin typeface="+mn-lt"/>
+                <a:ea typeface="+mn-ea"/>
+                <a:cs typeface="+mn-cs"/>
+              </a:defRPr>
+            </a:lvl4pPr>
+            <a:lvl5pPr marL="1828800" indent="0" algn="ctr" defTabSz="914400" rtl="0" eaLnBrk="1" latinLnBrk="0" hangingPunct="1">
+              <a:lnSpc>
+                <a:spcPct val="90000"/>
+              </a:lnSpc>
+              <a:spcBef>
+                <a:spcPts val="500"/>
+              </a:spcBef>
+              <a:buFont typeface="Arial" panose="020B0604020202020204" pitchFamily="34" charset="0"/>
+              <a:buNone/>
+              <a:defRPr sz="1600" kern="1200">
+                <a:solidFill>
+                  <a:schemeClr val="tx1"/>
+                </a:solidFill>
+                <a:latin typeface="+mn-lt"/>
+                <a:ea typeface="+mn-ea"/>
+                <a:cs typeface="+mn-cs"/>
+              </a:defRPr>
+            </a:lvl5pPr>
+            <a:lvl6pPr marL="2286000" indent="0" algn="ctr" defTabSz="914400" rtl="0" eaLnBrk="1" latinLnBrk="0" hangingPunct="1">
+              <a:lnSpc>
+                <a:spcPct val="90000"/>
+              </a:lnSpc>
+              <a:spcBef>
+                <a:spcPts val="500"/>
+              </a:spcBef>
+              <a:buFont typeface="Arial" panose="020B0604020202020204" pitchFamily="34" charset="0"/>
+              <a:buNone/>
+              <a:defRPr sz="1600" kern="1200">
+                <a:solidFill>
+                  <a:schemeClr val="tx1"/>
+                </a:solidFill>
+                <a:latin typeface="+mn-lt"/>
+                <a:ea typeface="+mn-ea"/>
+                <a:cs typeface="+mn-cs"/>
+              </a:defRPr>
+            </a:lvl6pPr>
+            <a:lvl7pPr marL="2743200" indent="0" algn="ctr" defTabSz="914400" rtl="0" eaLnBrk="1" latinLnBrk="0" hangingPunct="1">
+              <a:lnSpc>
+                <a:spcPct val="90000"/>
+              </a:lnSpc>
+              <a:spcBef>
+                <a:spcPts val="500"/>
+              </a:spcBef>
+              <a:buFont typeface="Arial" panose="020B0604020202020204" pitchFamily="34" charset="0"/>
+              <a:buNone/>
+              <a:defRPr sz="1600" kern="1200">
+                <a:solidFill>
+                  <a:schemeClr val="tx1"/>
+                </a:solidFill>
+                <a:latin typeface="+mn-lt"/>
+                <a:ea typeface="+mn-ea"/>
+                <a:cs typeface="+mn-cs"/>
+              </a:defRPr>
+            </a:lvl7pPr>
+            <a:lvl8pPr marL="3200400" indent="0" algn="ctr" defTabSz="914400" rtl="0" eaLnBrk="1" latinLnBrk="0" hangingPunct="1">
+              <a:lnSpc>
+                <a:spcPct val="90000"/>
+              </a:lnSpc>
+              <a:spcBef>
+                <a:spcPts val="500"/>
+              </a:spcBef>
+              <a:buFont typeface="Arial" panose="020B0604020202020204" pitchFamily="34" charset="0"/>
+              <a:buNone/>
+              <a:defRPr sz="1600" kern="1200">
+                <a:solidFill>
+                  <a:schemeClr val="tx1"/>
+                </a:solidFill>
+                <a:latin typeface="+mn-lt"/>
+                <a:ea typeface="+mn-ea"/>
+                <a:cs typeface="+mn-cs"/>
+              </a:defRPr>
+            </a:lvl8pPr>
+            <a:lvl9pPr marL="3657600" indent="0" algn="ctr" defTabSz="914400" rtl="0" eaLnBrk="1" latinLnBrk="0" hangingPunct="1">
+              <a:lnSpc>
+                <a:spcPct val="90000"/>
+              </a:lnSpc>
+              <a:spcBef>
+                <a:spcPts val="500"/>
+              </a:spcBef>
+              <a:buFont typeface="Arial" panose="020B0604020202020204" pitchFamily="34" charset="0"/>
+              <a:buNone/>
+              <a:defRPr sz="1600" kern="1200">
+                <a:solidFill>
+                  <a:schemeClr val="tx1"/>
+                </a:solidFill>
+                <a:latin typeface="+mn-lt"/>
+                <a:ea typeface="+mn-ea"/>
+                <a:cs typeface="+mn-cs"/>
+              </a:defRPr>
+            </a:lvl9pPr>
+          </a:lstStyle>
+          <a:p>
+            <a:pPr marL="285750" indent="-285750" algn="l">
+              <a:buFontTx/>
+              <a:buChar char="-"/>
+            </a:pPr>
+            <a:r>
+              <a:rPr lang="en-US" sz="1800" dirty="0"/>
+              <a:t>Switch statement allows us to execute a code block based on a value</a:t>
+            </a:r>
+          </a:p>
+          <a:p>
+            <a:pPr algn="l"/>
+            <a:r>
+              <a:rPr lang="en-US" sz="1800" dirty="0"/>
+              <a:t>(code illustration snippet 36)</a:t>
+            </a:r>
+          </a:p>
+          <a:p>
+            <a:pPr algn="l"/>
+            <a:r>
+              <a:rPr lang="en-US" sz="1800" dirty="0"/>
+              <a:t>- Depending on the value from switch statement, it will execute the code block correspondingly to the switch statement value</a:t>
+            </a:r>
+          </a:p>
+          <a:p>
+            <a:pPr algn="l"/>
+            <a:r>
+              <a:rPr lang="en-US" sz="1800" dirty="0"/>
+              <a:t>- If the value in switch statement doesn’t match with any case, the control will find a “default” block. If the “default” block also not present in the switch =&gt;  The control won’t go in the switch block</a:t>
+            </a:r>
+          </a:p>
+          <a:p>
+            <a:pPr algn="l"/>
+            <a:r>
+              <a:rPr lang="en-US" sz="1800" dirty="0"/>
+              <a:t>– Fact: Since the expression inside the switch statement can also be a value or a variable =&gt; we can call them as “switch expression”</a:t>
+            </a:r>
+          </a:p>
+          <a:p>
+            <a:pPr algn="l"/>
+            <a:r>
+              <a:rPr lang="en-US" sz="1800" dirty="0"/>
+              <a:t>(code illustration snippet 37)</a:t>
+            </a:r>
+          </a:p>
+          <a:p>
+            <a:pPr algn="l"/>
+            <a:r>
+              <a:rPr lang="en-US" sz="1800" dirty="0"/>
+              <a:t>- There are only 3 types of data that we can put into the switch statement</a:t>
+            </a:r>
+          </a:p>
+          <a:p>
+            <a:pPr algn="l"/>
+            <a:r>
+              <a:rPr lang="en-US" sz="1800" dirty="0"/>
+              <a:t>	+) Numerical value (byte, char, short, int), “long” datatype is not allowed too along with floating point value (float, double) and Boolean</a:t>
+            </a:r>
+          </a:p>
+          <a:p>
+            <a:pPr algn="l"/>
+            <a:r>
+              <a:rPr lang="en-US" sz="1800" dirty="0"/>
+              <a:t>	+) Enum type</a:t>
+            </a:r>
+          </a:p>
+          <a:p>
+            <a:pPr algn="l"/>
+            <a:r>
+              <a:rPr lang="en-US" sz="1800" dirty="0"/>
+              <a:t>	+) String: Although any reference types aren’t allowed in switch statement, String is an exception (from Java 7, this has been allowed) </a:t>
+            </a:r>
+          </a:p>
+          <a:p>
+            <a:pPr algn="l"/>
+            <a:r>
+              <a:rPr lang="en-US" sz="1800" dirty="0"/>
+              <a:t>- The value for ”case” label is must be a “compile time constant”, moreover, its size must be the same or smaller than the size of the value used in switch statement (code illustration snippet 38)</a:t>
+            </a:r>
+          </a:p>
+          <a:p>
+            <a:pPr algn="l"/>
+            <a:endParaRPr lang="en-US" sz="1800" dirty="0"/>
+          </a:p>
+        </p:txBody>
+      </p:sp>
+    </p:spTree>
+    <p:extLst>
+      <p:ext uri="{BB962C8B-B14F-4D97-AF65-F5344CB8AC3E}">
+        <p14:creationId xmlns:p14="http://schemas.microsoft.com/office/powerpoint/2010/main" val="1382220693"/>
+      </p:ext>
+    </p:extLst>
+  </p:cSld>
+  <p:clrMapOvr>
+    <a:masterClrMapping/>
+  </p:clrMapOvr>
+  <p:timing>
+    <p:tnLst>
+      <p:par>
+        <p:cTn id="1" dur="indefinite" restart="never" nodeType="tmRoot">
+          <p:childTnLst>
+            <p:seq concurrent="1" nextAc="seek">
+              <p:cTn id="2" dur="indefinite" nodeType="mainSeq">
+                <p:childTnLst>
+                  <p:par>
+                    <p:cTn id="3" fill="hold">
+                      <p:stCondLst>
+                        <p:cond delay="indefinite"/>
+                      </p:stCondLst>
+                      <p:childTnLst>
+                        <p:par>
+                          <p:cTn id="4" fill="hold">
+                            <p:stCondLst>
+                              <p:cond delay="0"/>
+                            </p:stCondLst>
+                            <p:childTnLst>
+                              <p:par>
+                                <p:cTn id="5" presetID="1" presetClass="entr" presetSubtype="0" fill="hold" nodeType="clickEffect">
+                                  <p:stCondLst>
+                                    <p:cond delay="0"/>
+                                  </p:stCondLst>
+                                  <p:childTnLst>
+                                    <p:set>
+                                      <p:cBhvr>
+                                        <p:cTn id="6" dur="1" fill="hold">
+                                          <p:stCondLst>
+                                            <p:cond delay="0"/>
+                                          </p:stCondLst>
+                                        </p:cTn>
+                                        <p:tgtEl>
+                                          <p:spTgt spid="4">
+                                            <p:txEl>
+                                              <p:pRg st="0" end="0"/>
+                                            </p:txEl>
+                                          </p:spTgt>
+                                        </p:tgtEl>
+                                        <p:attrNameLst>
+                                          <p:attrName>style.visibility</p:attrName>
+                                        </p:attrNameLst>
+                                      </p:cBhvr>
+                                      <p:to>
+                                        <p:strVal val="visible"/>
+                                      </p:to>
+                                    </p:set>
+                                  </p:childTnLst>
+                                </p:cTn>
+                              </p:par>
+                            </p:childTnLst>
+                          </p:cTn>
+                        </p:par>
+                      </p:childTnLst>
+                    </p:cTn>
+                  </p:par>
+                  <p:par>
+                    <p:cTn id="7" fill="hold">
+                      <p:stCondLst>
+                        <p:cond delay="indefinite"/>
+                      </p:stCondLst>
+                      <p:childTnLst>
+                        <p:par>
+                          <p:cTn id="8" fill="hold">
+                            <p:stCondLst>
+                              <p:cond delay="0"/>
+                            </p:stCondLst>
+                            <p:childTnLst>
+                              <p:par>
+                                <p:cTn id="9" presetID="1" presetClass="entr" presetSubtype="0" fill="hold" nodeType="clickEffect">
+                                  <p:stCondLst>
+                                    <p:cond delay="0"/>
+                                  </p:stCondLst>
+                                  <p:childTnLst>
+                                    <p:set>
+                                      <p:cBhvr>
+                                        <p:cTn id="10" dur="1" fill="hold">
+                                          <p:stCondLst>
+                                            <p:cond delay="0"/>
+                                          </p:stCondLst>
+                                        </p:cTn>
+                                        <p:tgtEl>
+                                          <p:spTgt spid="4">
+                                            <p:txEl>
+                                              <p:pRg st="1" end="1"/>
+                                            </p:txEl>
+                                          </p:spTgt>
+                                        </p:tgtEl>
+                                        <p:attrNameLst>
+                                          <p:attrName>style.visibility</p:attrName>
+                                        </p:attrNameLst>
+                                      </p:cBhvr>
+                                      <p:to>
+                                        <p:strVal val="visible"/>
+                                      </p:to>
+                                    </p:set>
+                                  </p:childTnLst>
+                                </p:cTn>
+                              </p:par>
+                            </p:childTnLst>
+                          </p:cTn>
+                        </p:par>
+                      </p:childTnLst>
+                    </p:cTn>
+                  </p:par>
+                  <p:par>
+                    <p:cTn id="11" fill="hold">
+                      <p:stCondLst>
+                        <p:cond delay="indefinite"/>
+                      </p:stCondLst>
+                      <p:childTnLst>
+                        <p:par>
+                          <p:cTn id="12" fill="hold">
+                            <p:stCondLst>
+                              <p:cond delay="0"/>
+                            </p:stCondLst>
+                            <p:childTnLst>
+                              <p:par>
+                                <p:cTn id="13" presetID="1" presetClass="entr" presetSubtype="0" fill="hold" nodeType="clickEffect">
+                                  <p:stCondLst>
+                                    <p:cond delay="0"/>
+                                  </p:stCondLst>
+                                  <p:childTnLst>
+                                    <p:set>
+                                      <p:cBhvr>
+                                        <p:cTn id="14" dur="1" fill="hold">
+                                          <p:stCondLst>
+                                            <p:cond delay="0"/>
+                                          </p:stCondLst>
+                                        </p:cTn>
+                                        <p:tgtEl>
+                                          <p:spTgt spid="4">
+                                            <p:txEl>
+                                              <p:pRg st="2" end="2"/>
+                                            </p:txEl>
+                                          </p:spTgt>
+                                        </p:tgtEl>
+                                        <p:attrNameLst>
+                                          <p:attrName>style.visibility</p:attrName>
+                                        </p:attrNameLst>
+                                      </p:cBhvr>
+                                      <p:to>
+                                        <p:strVal val="visible"/>
+                                      </p:to>
+                                    </p:set>
+                                  </p:childTnLst>
+                                </p:cTn>
+                              </p:par>
+                            </p:childTnLst>
+                          </p:cTn>
+                        </p:par>
+                      </p:childTnLst>
+                    </p:cTn>
+                  </p:par>
+                  <p:par>
+                    <p:cTn id="15" fill="hold">
+                      <p:stCondLst>
+                        <p:cond delay="indefinite"/>
+                      </p:stCondLst>
+                      <p:childTnLst>
+                        <p:par>
+                          <p:cTn id="16" fill="hold">
+                            <p:stCondLst>
+                              <p:cond delay="0"/>
+                            </p:stCondLst>
+                            <p:childTnLst>
+                              <p:par>
+                                <p:cTn id="17" presetID="1" presetClass="entr" presetSubtype="0" fill="hold" nodeType="clickEffect">
+                                  <p:stCondLst>
+                                    <p:cond delay="0"/>
+                                  </p:stCondLst>
+                                  <p:childTnLst>
+                                    <p:set>
+                                      <p:cBhvr>
+                                        <p:cTn id="18" dur="1" fill="hold">
+                                          <p:stCondLst>
+                                            <p:cond delay="0"/>
+                                          </p:stCondLst>
+                                        </p:cTn>
+                                        <p:tgtEl>
+                                          <p:spTgt spid="4">
+                                            <p:txEl>
+                                              <p:pRg st="3" end="3"/>
+                                            </p:txEl>
+                                          </p:spTgt>
+                                        </p:tgtEl>
+                                        <p:attrNameLst>
+                                          <p:attrName>style.visibility</p:attrName>
+                                        </p:attrNameLst>
+                                      </p:cBhvr>
+                                      <p:to>
+                                        <p:strVal val="visible"/>
+                                      </p:to>
+                                    </p:set>
+                                  </p:childTnLst>
+                                </p:cTn>
+                              </p:par>
+                            </p:childTnLst>
+                          </p:cTn>
+                        </p:par>
+                      </p:childTnLst>
+                    </p:cTn>
+                  </p:par>
+                  <p:par>
+                    <p:cTn id="19" fill="hold">
+                      <p:stCondLst>
+                        <p:cond delay="indefinite"/>
+                      </p:stCondLst>
+                      <p:childTnLst>
+                        <p:par>
+                          <p:cTn id="20" fill="hold">
+                            <p:stCondLst>
+                              <p:cond delay="0"/>
+                            </p:stCondLst>
+                            <p:childTnLst>
+                              <p:par>
+                                <p:cTn id="21" presetID="1" presetClass="entr" presetSubtype="0" fill="hold" nodeType="clickEffect">
+                                  <p:stCondLst>
+                                    <p:cond delay="0"/>
+                                  </p:stCondLst>
+                                  <p:childTnLst>
+                                    <p:set>
+                                      <p:cBhvr>
+                                        <p:cTn id="22" dur="1" fill="hold">
+                                          <p:stCondLst>
+                                            <p:cond delay="0"/>
+                                          </p:stCondLst>
+                                        </p:cTn>
+                                        <p:tgtEl>
+                                          <p:spTgt spid="4">
+                                            <p:txEl>
+                                              <p:pRg st="4" end="4"/>
+                                            </p:txEl>
+                                          </p:spTgt>
+                                        </p:tgtEl>
+                                        <p:attrNameLst>
+                                          <p:attrName>style.visibility</p:attrName>
+                                        </p:attrNameLst>
+                                      </p:cBhvr>
+                                      <p:to>
+                                        <p:strVal val="visible"/>
+                                      </p:to>
+                                    </p:set>
+                                  </p:childTnLst>
+                                </p:cTn>
+                              </p:par>
+                            </p:childTnLst>
+                          </p:cTn>
+                        </p:par>
+                      </p:childTnLst>
+                    </p:cTn>
+                  </p:par>
+                  <p:par>
+                    <p:cTn id="23" fill="hold">
+                      <p:stCondLst>
+                        <p:cond delay="indefinite"/>
+                      </p:stCondLst>
+                      <p:childTnLst>
+                        <p:par>
+                          <p:cTn id="24" fill="hold">
+                            <p:stCondLst>
+                              <p:cond delay="0"/>
+                            </p:stCondLst>
+                            <p:childTnLst>
+                              <p:par>
+                                <p:cTn id="25" presetID="1" presetClass="entr" presetSubtype="0" fill="hold" nodeType="clickEffect">
+                                  <p:stCondLst>
+                                    <p:cond delay="0"/>
+                                  </p:stCondLst>
+                                  <p:childTnLst>
+                                    <p:set>
+                                      <p:cBhvr>
+                                        <p:cTn id="26" dur="1" fill="hold">
+                                          <p:stCondLst>
+                                            <p:cond delay="0"/>
+                                          </p:stCondLst>
+                                        </p:cTn>
+                                        <p:tgtEl>
+                                          <p:spTgt spid="4">
+                                            <p:txEl>
+                                              <p:pRg st="5" end="5"/>
+                                            </p:txEl>
+                                          </p:spTgt>
+                                        </p:tgtEl>
+                                        <p:attrNameLst>
+                                          <p:attrName>style.visibility</p:attrName>
+                                        </p:attrNameLst>
+                                      </p:cBhvr>
+                                      <p:to>
+                                        <p:strVal val="visible"/>
+                                      </p:to>
+                                    </p:set>
+                                  </p:childTnLst>
+                                </p:cTn>
+                              </p:par>
+                            </p:childTnLst>
+                          </p:cTn>
+                        </p:par>
+                      </p:childTnLst>
+                    </p:cTn>
+                  </p:par>
+                  <p:par>
+                    <p:cTn id="27" fill="hold">
+                      <p:stCondLst>
+                        <p:cond delay="indefinite"/>
+                      </p:stCondLst>
+                      <p:childTnLst>
+                        <p:par>
+                          <p:cTn id="28" fill="hold">
+                            <p:stCondLst>
+                              <p:cond delay="0"/>
+                            </p:stCondLst>
+                            <p:childTnLst>
+                              <p:par>
+                                <p:cTn id="29" presetID="1" presetClass="entr" presetSubtype="0" fill="hold" nodeType="clickEffect">
+                                  <p:stCondLst>
+                                    <p:cond delay="0"/>
+                                  </p:stCondLst>
+                                  <p:childTnLst>
+                                    <p:set>
+                                      <p:cBhvr>
+                                        <p:cTn id="30" dur="1" fill="hold">
+                                          <p:stCondLst>
+                                            <p:cond delay="0"/>
+                                          </p:stCondLst>
+                                        </p:cTn>
+                                        <p:tgtEl>
+                                          <p:spTgt spid="4">
+                                            <p:txEl>
+                                              <p:pRg st="6" end="6"/>
+                                            </p:txEl>
+                                          </p:spTgt>
+                                        </p:tgtEl>
+                                        <p:attrNameLst>
+                                          <p:attrName>style.visibility</p:attrName>
+                                        </p:attrNameLst>
+                                      </p:cBhvr>
+                                      <p:to>
+                                        <p:strVal val="visible"/>
+                                      </p:to>
+                                    </p:set>
+                                  </p:childTnLst>
+                                </p:cTn>
+                              </p:par>
+                            </p:childTnLst>
+                          </p:cTn>
+                        </p:par>
+                      </p:childTnLst>
+                    </p:cTn>
+                  </p:par>
+                  <p:par>
+                    <p:cTn id="31" fill="hold">
+                      <p:stCondLst>
+                        <p:cond delay="indefinite"/>
+                      </p:stCondLst>
+                      <p:childTnLst>
+                        <p:par>
+                          <p:cTn id="32" fill="hold">
+                            <p:stCondLst>
+                              <p:cond delay="0"/>
+                            </p:stCondLst>
+                            <p:childTnLst>
+                              <p:par>
+                                <p:cTn id="33" presetID="1" presetClass="entr" presetSubtype="0" fill="hold" nodeType="clickEffect">
+                                  <p:stCondLst>
+                                    <p:cond delay="0"/>
+                                  </p:stCondLst>
+                                  <p:childTnLst>
+                                    <p:set>
+                                      <p:cBhvr>
+                                        <p:cTn id="34" dur="1" fill="hold">
+                                          <p:stCondLst>
+                                            <p:cond delay="0"/>
+                                          </p:stCondLst>
+                                        </p:cTn>
+                                        <p:tgtEl>
+                                          <p:spTgt spid="4">
+                                            <p:txEl>
+                                              <p:pRg st="7" end="7"/>
+                                            </p:txEl>
+                                          </p:spTgt>
+                                        </p:tgtEl>
+                                        <p:attrNameLst>
+                                          <p:attrName>style.visibility</p:attrName>
+                                        </p:attrNameLst>
+                                      </p:cBhvr>
+                                      <p:to>
+                                        <p:strVal val="visible"/>
+                                      </p:to>
+                                    </p:set>
+                                  </p:childTnLst>
+                                </p:cTn>
+                              </p:par>
+                            </p:childTnLst>
+                          </p:cTn>
+                        </p:par>
+                      </p:childTnLst>
+                    </p:cTn>
+                  </p:par>
+                  <p:par>
+                    <p:cTn id="35" fill="hold">
+                      <p:stCondLst>
+                        <p:cond delay="indefinite"/>
+                      </p:stCondLst>
+                      <p:childTnLst>
+                        <p:par>
+                          <p:cTn id="36" fill="hold">
+                            <p:stCondLst>
+                              <p:cond delay="0"/>
+                            </p:stCondLst>
+                            <p:childTnLst>
+                              <p:par>
+                                <p:cTn id="37" presetID="1" presetClass="entr" presetSubtype="0" fill="hold" nodeType="clickEffect">
+                                  <p:stCondLst>
+                                    <p:cond delay="0"/>
+                                  </p:stCondLst>
+                                  <p:childTnLst>
+                                    <p:set>
+                                      <p:cBhvr>
+                                        <p:cTn id="38" dur="1" fill="hold">
+                                          <p:stCondLst>
+                                            <p:cond delay="0"/>
+                                          </p:stCondLst>
+                                        </p:cTn>
+                                        <p:tgtEl>
+                                          <p:spTgt spid="4">
+                                            <p:txEl>
+                                              <p:pRg st="8" end="8"/>
+                                            </p:txEl>
+                                          </p:spTgt>
+                                        </p:tgtEl>
+                                        <p:attrNameLst>
+                                          <p:attrName>style.visibility</p:attrName>
+                                        </p:attrNameLst>
+                                      </p:cBhvr>
+                                      <p:to>
+                                        <p:strVal val="visible"/>
+                                      </p:to>
+                                    </p:set>
+                                  </p:childTnLst>
+                                </p:cTn>
+                              </p:par>
+                            </p:childTnLst>
+                          </p:cTn>
+                        </p:par>
+                      </p:childTnLst>
+                    </p:cTn>
+                  </p:par>
+                  <p:par>
+                    <p:cTn id="39" fill="hold">
+                      <p:stCondLst>
+                        <p:cond delay="indefinite"/>
+                      </p:stCondLst>
+                      <p:childTnLst>
+                        <p:par>
+                          <p:cTn id="40" fill="hold">
+                            <p:stCondLst>
+                              <p:cond delay="0"/>
+                            </p:stCondLst>
+                            <p:childTnLst>
+                              <p:par>
+                                <p:cTn id="41" presetID="1" presetClass="entr" presetSubtype="0" fill="hold" nodeType="clickEffect">
+                                  <p:stCondLst>
+                                    <p:cond delay="0"/>
+                                  </p:stCondLst>
+                                  <p:childTnLst>
+                                    <p:set>
+                                      <p:cBhvr>
+                                        <p:cTn id="42" dur="1" fill="hold">
+                                          <p:stCondLst>
+                                            <p:cond delay="0"/>
+                                          </p:stCondLst>
+                                        </p:cTn>
+                                        <p:tgtEl>
+                                          <p:spTgt spid="4">
+                                            <p:txEl>
+                                              <p:pRg st="9" end="9"/>
+                                            </p:txEl>
+                                          </p:spTgt>
+                                        </p:tgtEl>
+                                        <p:attrNameLst>
+                                          <p:attrName>style.visibility</p:attrName>
+                                        </p:attrNameLst>
+                                      </p:cBhvr>
+                                      <p:to>
+                                        <p:strVal val="visible"/>
+                                      </p:to>
+                                    </p:set>
+                                  </p:childTnLst>
+                                </p:cTn>
+                              </p:par>
+                            </p:childTnLst>
+                          </p:cTn>
+                        </p:par>
+                      </p:childTnLst>
+                    </p:cTn>
+                  </p:par>
+                  <p:par>
+                    <p:cTn id="43" fill="hold">
+                      <p:stCondLst>
+                        <p:cond delay="indefinite"/>
+                      </p:stCondLst>
+                      <p:childTnLst>
+                        <p:par>
+                          <p:cTn id="44" fill="hold">
+                            <p:stCondLst>
+                              <p:cond delay="0"/>
+                            </p:stCondLst>
+                            <p:childTnLst>
+                              <p:par>
+                                <p:cTn id="45" presetID="1" presetClass="entr" presetSubtype="0" fill="hold" nodeType="clickEffect">
+                                  <p:stCondLst>
+                                    <p:cond delay="0"/>
+                                  </p:stCondLst>
+                                  <p:childTnLst>
+                                    <p:set>
+                                      <p:cBhvr>
+                                        <p:cTn id="46" dur="1" fill="hold">
+                                          <p:stCondLst>
+                                            <p:cond delay="0"/>
+                                          </p:stCondLst>
+                                        </p:cTn>
+                                        <p:tgtEl>
+                                          <p:spTgt spid="4">
+                                            <p:txEl>
+                                              <p:pRg st="10" end="10"/>
+                                            </p:txEl>
+                                          </p:spTgt>
+                                        </p:tgtEl>
+                                        <p:attrNameLst>
+                                          <p:attrName>style.visibility</p:attrName>
+                                        </p:attrNameLst>
+                                      </p:cBhvr>
+                                      <p:to>
+                                        <p:strVal val="visible"/>
+                                      </p:to>
+                                    </p:set>
+                                  </p:childTnLst>
+                                </p:cTn>
+                              </p:par>
+                            </p:childTnLst>
+                          </p:cTn>
+                        </p:par>
+                      </p:childTnLst>
+                    </p:cTn>
+                  </p:par>
+                </p:childTnLst>
+              </p:cTn>
+              <p:prevCondLst>
+                <p:cond evt="onPrev" delay="0">
+                  <p:tgtEl>
+                    <p:sldTgt/>
+                  </p:tgtEl>
+                </p:cond>
+              </p:prevCondLst>
+              <p:nextCondLst>
+                <p:cond evt="onNext" delay="0">
+                  <p:tgtEl>
+                    <p:sldTgt/>
+                  </p:tgtEl>
+                </p:cond>
+              </p:nextCondLst>
+            </p:seq>
+          </p:childTnLst>
+        </p:cTn>
+      </p:par>
+    </p:tnLst>
+  </p:timing>
+</p:sld>
+</file>
+
+<file path=ppt/slides/slide7.xml><?xml version="1.0" encoding="utf-8"?>
+<p:sld xmlns:a="http://schemas.openxmlformats.org/drawingml/2006/main" xmlns:r="http://schemas.openxmlformats.org/officeDocument/2006/relationships" xmlns:p="http://schemas.openxmlformats.org/presentationml/2006/main">
+  <p:cSld>
+    <p:spTree>
+      <p:nvGrpSpPr>
+        <p:cNvPr id="1" name="">
+          <a:extLst>
+            <a:ext uri="{FF2B5EF4-FFF2-40B4-BE49-F238E27FC236}">
+              <a16:creationId xmlns:a16="http://schemas.microsoft.com/office/drawing/2014/main" id="{8548A278-5BEC-A6A4-3400-499502D0907D}"/>
+            </a:ext>
+          </a:extLst>
+        </p:cNvPr>
+        <p:cNvGrpSpPr/>
+        <p:nvPr/>
+      </p:nvGrpSpPr>
+      <p:grpSpPr>
+        <a:xfrm>
+          <a:off x="0" y="0"/>
+          <a:ext cx="0" cy="0"/>
+          <a:chOff x="0" y="0"/>
+          <a:chExt cx="0" cy="0"/>
+        </a:xfrm>
+      </p:grpSpPr>
+      <p:sp>
+        <p:nvSpPr>
+          <p:cNvPr id="3" name="Subtitle 2">
+            <a:extLst>
+              <a:ext uri="{FF2B5EF4-FFF2-40B4-BE49-F238E27FC236}">
+                <a16:creationId xmlns:a16="http://schemas.microsoft.com/office/drawing/2014/main" id="{3001584A-0F14-9FEA-7101-7B04E4F3342D}"/>
+              </a:ext>
+            </a:extLst>
+          </p:cNvPr>
+          <p:cNvSpPr>
+            <a:spLocks noGrp="1"/>
+          </p:cNvSpPr>
+          <p:nvPr>
+            <p:ph type="subTitle" idx="1"/>
+          </p:nvPr>
+        </p:nvSpPr>
+        <p:spPr>
+          <a:xfrm>
+            <a:off x="97971" y="293688"/>
+            <a:ext cx="8490858" cy="303212"/>
+          </a:xfrm>
+        </p:spPr>
+        <p:txBody>
+          <a:bodyPr>
+            <a:normAutofit fontScale="92500" lnSpcReduction="20000"/>
+          </a:bodyPr>
+          <a:lstStyle/>
+          <a:p>
+            <a:r>
+              <a:rPr lang="en-US" sz="1800" b="1" dirty="0"/>
+              <a:t>7.3 Use a switch statement </a:t>
+            </a:r>
+            <a:r>
+              <a:rPr lang="en-US" sz="1800" dirty="0"/>
+              <a:t>– 7.3.1 Creating a switch statement</a:t>
+            </a:r>
+            <a:endParaRPr lang="en-US" sz="1800" b="1" dirty="0"/>
+          </a:p>
+        </p:txBody>
+      </p:sp>
+      <p:sp>
+        <p:nvSpPr>
+          <p:cNvPr id="4" name="Subtitle 2">
+            <a:extLst>
+              <a:ext uri="{FF2B5EF4-FFF2-40B4-BE49-F238E27FC236}">
+                <a16:creationId xmlns:a16="http://schemas.microsoft.com/office/drawing/2014/main" id="{30AA7606-EAAB-7FFC-F16B-193F0C49D681}"/>
+              </a:ext>
+            </a:extLst>
+          </p:cNvPr>
+          <p:cNvSpPr txBox="1">
+            <a:spLocks/>
+          </p:cNvSpPr>
+          <p:nvPr/>
+        </p:nvSpPr>
+        <p:spPr>
+          <a:xfrm>
+            <a:off x="0" y="820738"/>
+            <a:ext cx="12192000" cy="6037262"/>
+          </a:xfrm>
+          <a:prstGeom prst="rect">
+            <a:avLst/>
+          </a:prstGeom>
+        </p:spPr>
+        <p:txBody>
+          <a:bodyPr vert="horz" lIns="91440" tIns="45720" rIns="91440" bIns="45720" rtlCol="0">
+            <a:normAutofit/>
+          </a:bodyPr>
+          <a:lstStyle>
+            <a:lvl1pPr marL="0" indent="0" algn="ctr" defTabSz="914400" rtl="0" eaLnBrk="1" latinLnBrk="0" hangingPunct="1">
+              <a:lnSpc>
+                <a:spcPct val="90000"/>
+              </a:lnSpc>
+              <a:spcBef>
+                <a:spcPts val="1000"/>
+              </a:spcBef>
+              <a:buFont typeface="Arial" panose="020B0604020202020204" pitchFamily="34" charset="0"/>
+              <a:buNone/>
+              <a:defRPr sz="2400" kern="1200">
+                <a:solidFill>
+                  <a:schemeClr val="tx1"/>
+                </a:solidFill>
+                <a:latin typeface="+mn-lt"/>
+                <a:ea typeface="+mn-ea"/>
+                <a:cs typeface="+mn-cs"/>
+              </a:defRPr>
+            </a:lvl1pPr>
+            <a:lvl2pPr marL="457200" indent="0" algn="ctr" defTabSz="914400" rtl="0" eaLnBrk="1" latinLnBrk="0" hangingPunct="1">
+              <a:lnSpc>
+                <a:spcPct val="90000"/>
+              </a:lnSpc>
+              <a:spcBef>
+                <a:spcPts val="500"/>
+              </a:spcBef>
+              <a:buFont typeface="Arial" panose="020B0604020202020204" pitchFamily="34" charset="0"/>
+              <a:buNone/>
+              <a:defRPr sz="2000" kern="1200">
+                <a:solidFill>
+                  <a:schemeClr val="tx1"/>
+                </a:solidFill>
+                <a:latin typeface="+mn-lt"/>
+                <a:ea typeface="+mn-ea"/>
+                <a:cs typeface="+mn-cs"/>
+              </a:defRPr>
+            </a:lvl2pPr>
+            <a:lvl3pPr marL="914400" indent="0" algn="ctr" defTabSz="914400" rtl="0" eaLnBrk="1" latinLnBrk="0" hangingPunct="1">
+              <a:lnSpc>
+                <a:spcPct val="90000"/>
+              </a:lnSpc>
+              <a:spcBef>
+                <a:spcPts val="500"/>
+              </a:spcBef>
+              <a:buFont typeface="Arial" panose="020B0604020202020204" pitchFamily="34" charset="0"/>
+              <a:buNone/>
+              <a:defRPr sz="1800" kern="1200">
+                <a:solidFill>
+                  <a:schemeClr val="tx1"/>
+                </a:solidFill>
+                <a:latin typeface="+mn-lt"/>
+                <a:ea typeface="+mn-ea"/>
+                <a:cs typeface="+mn-cs"/>
+              </a:defRPr>
+            </a:lvl3pPr>
+            <a:lvl4pPr marL="1371600" indent="0" algn="ctr" defTabSz="914400" rtl="0" eaLnBrk="1" latinLnBrk="0" hangingPunct="1">
+              <a:lnSpc>
+                <a:spcPct val="90000"/>
+              </a:lnSpc>
+              <a:spcBef>
+                <a:spcPts val="500"/>
+              </a:spcBef>
+              <a:buFont typeface="Arial" panose="020B0604020202020204" pitchFamily="34" charset="0"/>
+              <a:buNone/>
+              <a:defRPr sz="1600" kern="1200">
+                <a:solidFill>
+                  <a:schemeClr val="tx1"/>
+                </a:solidFill>
+                <a:latin typeface="+mn-lt"/>
+                <a:ea typeface="+mn-ea"/>
+                <a:cs typeface="+mn-cs"/>
+              </a:defRPr>
+            </a:lvl4pPr>
+            <a:lvl5pPr marL="1828800" indent="0" algn="ctr" defTabSz="914400" rtl="0" eaLnBrk="1" latinLnBrk="0" hangingPunct="1">
+              <a:lnSpc>
+                <a:spcPct val="90000"/>
+              </a:lnSpc>
+              <a:spcBef>
+                <a:spcPts val="500"/>
+              </a:spcBef>
+              <a:buFont typeface="Arial" panose="020B0604020202020204" pitchFamily="34" charset="0"/>
+              <a:buNone/>
+              <a:defRPr sz="1600" kern="1200">
+                <a:solidFill>
+                  <a:schemeClr val="tx1"/>
+                </a:solidFill>
+                <a:latin typeface="+mn-lt"/>
+                <a:ea typeface="+mn-ea"/>
+                <a:cs typeface="+mn-cs"/>
+              </a:defRPr>
+            </a:lvl5pPr>
+            <a:lvl6pPr marL="2286000" indent="0" algn="ctr" defTabSz="914400" rtl="0" eaLnBrk="1" latinLnBrk="0" hangingPunct="1">
+              <a:lnSpc>
+                <a:spcPct val="90000"/>
+              </a:lnSpc>
+              <a:spcBef>
+                <a:spcPts val="500"/>
+              </a:spcBef>
+              <a:buFont typeface="Arial" panose="020B0604020202020204" pitchFamily="34" charset="0"/>
+              <a:buNone/>
+              <a:defRPr sz="1600" kern="1200">
+                <a:solidFill>
+                  <a:schemeClr val="tx1"/>
+                </a:solidFill>
+                <a:latin typeface="+mn-lt"/>
+                <a:ea typeface="+mn-ea"/>
+                <a:cs typeface="+mn-cs"/>
+              </a:defRPr>
+            </a:lvl6pPr>
+            <a:lvl7pPr marL="2743200" indent="0" algn="ctr" defTabSz="914400" rtl="0" eaLnBrk="1" latinLnBrk="0" hangingPunct="1">
+              <a:lnSpc>
+                <a:spcPct val="90000"/>
+              </a:lnSpc>
+              <a:spcBef>
+                <a:spcPts val="500"/>
+              </a:spcBef>
+              <a:buFont typeface="Arial" panose="020B0604020202020204" pitchFamily="34" charset="0"/>
+              <a:buNone/>
+              <a:defRPr sz="1600" kern="1200">
+                <a:solidFill>
+                  <a:schemeClr val="tx1"/>
+                </a:solidFill>
+                <a:latin typeface="+mn-lt"/>
+                <a:ea typeface="+mn-ea"/>
+                <a:cs typeface="+mn-cs"/>
+              </a:defRPr>
+            </a:lvl7pPr>
+            <a:lvl8pPr marL="3200400" indent="0" algn="ctr" defTabSz="914400" rtl="0" eaLnBrk="1" latinLnBrk="0" hangingPunct="1">
+              <a:lnSpc>
+                <a:spcPct val="90000"/>
+              </a:lnSpc>
+              <a:spcBef>
+                <a:spcPts val="500"/>
+              </a:spcBef>
+              <a:buFont typeface="Arial" panose="020B0604020202020204" pitchFamily="34" charset="0"/>
+              <a:buNone/>
+              <a:defRPr sz="1600" kern="1200">
+                <a:solidFill>
+                  <a:schemeClr val="tx1"/>
+                </a:solidFill>
+                <a:latin typeface="+mn-lt"/>
+                <a:ea typeface="+mn-ea"/>
+                <a:cs typeface="+mn-cs"/>
+              </a:defRPr>
+            </a:lvl8pPr>
+            <a:lvl9pPr marL="3657600" indent="0" algn="ctr" defTabSz="914400" rtl="0" eaLnBrk="1" latinLnBrk="0" hangingPunct="1">
+              <a:lnSpc>
+                <a:spcPct val="90000"/>
+              </a:lnSpc>
+              <a:spcBef>
+                <a:spcPts val="500"/>
+              </a:spcBef>
+              <a:buFont typeface="Arial" panose="020B0604020202020204" pitchFamily="34" charset="0"/>
+              <a:buNone/>
+              <a:defRPr sz="1600" kern="1200">
+                <a:solidFill>
+                  <a:schemeClr val="tx1"/>
+                </a:solidFill>
+                <a:latin typeface="+mn-lt"/>
+                <a:ea typeface="+mn-ea"/>
+                <a:cs typeface="+mn-cs"/>
+              </a:defRPr>
+            </a:lvl9pPr>
+          </a:lstStyle>
+          <a:p>
+            <a:pPr marL="285750" indent="-285750" algn="l">
+              <a:buFontTx/>
+              <a:buChar char="-"/>
+            </a:pPr>
+            <a:r>
+              <a:rPr lang="en-US" sz="1800" dirty="0"/>
+              <a:t>”Case” label is also optional (code illustration snippet 39</a:t>
+            </a:r>
+          </a:p>
+          <a:p>
+            <a:pPr marL="285750" indent="-285750" algn="l">
+              <a:buFontTx/>
+              <a:buChar char="-"/>
+            </a:pPr>
+            <a:r>
+              <a:rPr lang="en-US" sz="1800" dirty="0"/>
+              <a:t>Switch statement is also usable for expression (not only single variable) =&gt; every characteristic we have learned such as Casting, Numeric Promotion and Operator Precedence are considered (code illustration snippet 40 – 41)</a:t>
+            </a:r>
+          </a:p>
+          <a:p>
+            <a:pPr marL="285750" indent="-285750" algn="l">
+              <a:buFontTx/>
+              <a:buChar char="-"/>
+            </a:pPr>
+            <a:r>
+              <a:rPr lang="en-US" sz="1800" dirty="0"/>
+              <a:t>The “default” block is used to execute a block of code when all cases aren’t satisfied, moreover, the “default” block is also optional</a:t>
+            </a:r>
+          </a:p>
+          <a:p>
+            <a:pPr marL="285750" indent="-285750" algn="l">
+              <a:buFontTx/>
+              <a:buChar char="-"/>
+            </a:pPr>
+            <a:r>
+              <a:rPr lang="en-US" sz="1800" dirty="0"/>
+              <a:t>Java doesn’t consider the order of the case and default block, but it is still important as they are relevant to the position of “break” statement</a:t>
+            </a:r>
+          </a:p>
+          <a:p>
+            <a:pPr marL="285750" indent="-285750" algn="l">
+              <a:buFontTx/>
+              <a:buChar char="-"/>
+            </a:pPr>
+            <a:r>
+              <a:rPr lang="en-US" sz="1800" dirty="0"/>
+              <a:t>The “break” statement decides when to exit a block of code, moreover, this statement is optional</a:t>
+            </a:r>
+          </a:p>
+          <a:p>
+            <a:pPr algn="l"/>
+            <a:r>
+              <a:rPr lang="en-US" sz="1800" dirty="0"/>
+              <a:t>(code illustration snippet 42 – 43) </a:t>
+            </a:r>
+          </a:p>
+          <a:p>
+            <a:pPr algn="l"/>
+            <a:r>
+              <a:rPr lang="en-US" sz="1800" dirty="0"/>
+              <a:t>- The removal of ”break” statement will cause a phenomenon called “fall through”, where the control go through the switch block until the end of the block</a:t>
+            </a:r>
+          </a:p>
+          <a:p>
+            <a:pPr algn="l"/>
+            <a:r>
+              <a:rPr lang="en-US" sz="1800" dirty="0"/>
+              <a:t>(code illustration snippet 44)</a:t>
+            </a:r>
+          </a:p>
+          <a:p>
+            <a:pPr marL="285750" indent="-285750" algn="l">
+              <a:buFontTx/>
+              <a:buChar char="-"/>
+            </a:pPr>
+            <a:endParaRPr lang="en-US" sz="1800" dirty="0"/>
+          </a:p>
+        </p:txBody>
+      </p:sp>
+    </p:spTree>
+    <p:extLst>
+      <p:ext uri="{BB962C8B-B14F-4D97-AF65-F5344CB8AC3E}">
+        <p14:creationId xmlns:p14="http://schemas.microsoft.com/office/powerpoint/2010/main" val="1345113510"/>
+      </p:ext>
+    </p:extLst>
+  </p:cSld>
+  <p:clrMapOvr>
+    <a:masterClrMapping/>
+  </p:clrMapOvr>
+  <p:timing>
+    <p:tnLst>
+      <p:par>
+        <p:cTn id="1" dur="indefinite" restart="never" nodeType="tmRoot">
+          <p:childTnLst>
+            <p:seq concurrent="1" nextAc="seek">
+              <p:cTn id="2" dur="indefinite" nodeType="mainSeq">
+                <p:childTnLst>
+                  <p:par>
+                    <p:cTn id="3" fill="hold">
+                      <p:stCondLst>
+                        <p:cond delay="indefinite"/>
+                      </p:stCondLst>
+                      <p:childTnLst>
+                        <p:par>
+                          <p:cTn id="4" fill="hold">
+                            <p:stCondLst>
+                              <p:cond delay="0"/>
+                            </p:stCondLst>
+                            <p:childTnLst>
+                              <p:par>
+                                <p:cTn id="5" presetID="1" presetClass="entr" presetSubtype="0" fill="hold" nodeType="clickEffect">
+                                  <p:stCondLst>
+                                    <p:cond delay="0"/>
+                                  </p:stCondLst>
+                                  <p:childTnLst>
+                                    <p:set>
+                                      <p:cBhvr>
+                                        <p:cTn id="6" dur="1" fill="hold">
+                                          <p:stCondLst>
+                                            <p:cond delay="0"/>
+                                          </p:stCondLst>
+                                        </p:cTn>
+                                        <p:tgtEl>
+                                          <p:spTgt spid="4">
+                                            <p:txEl>
+                                              <p:pRg st="0" end="0"/>
+                                            </p:txEl>
+                                          </p:spTgt>
+                                        </p:tgtEl>
+                                        <p:attrNameLst>
+                                          <p:attrName>style.visibility</p:attrName>
+                                        </p:attrNameLst>
+                                      </p:cBhvr>
+                                      <p:to>
+                                        <p:strVal val="visible"/>
+                                      </p:to>
+                                    </p:set>
+                                  </p:childTnLst>
+                                </p:cTn>
+                              </p:par>
+                            </p:childTnLst>
+                          </p:cTn>
+                        </p:par>
+                      </p:childTnLst>
+                    </p:cTn>
+                  </p:par>
+                  <p:par>
+                    <p:cTn id="7" fill="hold">
+                      <p:stCondLst>
+                        <p:cond delay="indefinite"/>
+                      </p:stCondLst>
+                      <p:childTnLst>
+                        <p:par>
+                          <p:cTn id="8" fill="hold">
+                            <p:stCondLst>
+                              <p:cond delay="0"/>
+                            </p:stCondLst>
+                            <p:childTnLst>
+                              <p:par>
+                                <p:cTn id="9" presetID="1" presetClass="entr" presetSubtype="0" fill="hold" nodeType="clickEffect">
+                                  <p:stCondLst>
+                                    <p:cond delay="0"/>
+                                  </p:stCondLst>
+                                  <p:childTnLst>
+                                    <p:set>
+                                      <p:cBhvr>
+                                        <p:cTn id="10" dur="1" fill="hold">
+                                          <p:stCondLst>
+                                            <p:cond delay="0"/>
+                                          </p:stCondLst>
+                                        </p:cTn>
+                                        <p:tgtEl>
+                                          <p:spTgt spid="4">
+                                            <p:txEl>
+                                              <p:pRg st="1" end="1"/>
+                                            </p:txEl>
+                                          </p:spTgt>
+                                        </p:tgtEl>
+                                        <p:attrNameLst>
+                                          <p:attrName>style.visibility</p:attrName>
+                                        </p:attrNameLst>
+                                      </p:cBhvr>
+                                      <p:to>
+                                        <p:strVal val="visible"/>
+                                      </p:to>
+                                    </p:set>
+                                  </p:childTnLst>
+                                </p:cTn>
+                              </p:par>
+                            </p:childTnLst>
+                          </p:cTn>
+                        </p:par>
+                      </p:childTnLst>
+                    </p:cTn>
+                  </p:par>
+                  <p:par>
+                    <p:cTn id="11" fill="hold">
+                      <p:stCondLst>
+                        <p:cond delay="indefinite"/>
+                      </p:stCondLst>
+                      <p:childTnLst>
+                        <p:par>
+                          <p:cTn id="12" fill="hold">
+                            <p:stCondLst>
+                              <p:cond delay="0"/>
+                            </p:stCondLst>
+                            <p:childTnLst>
+                              <p:par>
+                                <p:cTn id="13" presetID="1" presetClass="entr" presetSubtype="0" fill="hold" nodeType="clickEffect">
+                                  <p:stCondLst>
+                                    <p:cond delay="0"/>
+                                  </p:stCondLst>
+                                  <p:childTnLst>
+                                    <p:set>
+                                      <p:cBhvr>
+                                        <p:cTn id="14" dur="1" fill="hold">
+                                          <p:stCondLst>
+                                            <p:cond delay="0"/>
+                                          </p:stCondLst>
+                                        </p:cTn>
+                                        <p:tgtEl>
+                                          <p:spTgt spid="4">
+                                            <p:txEl>
+                                              <p:pRg st="2" end="2"/>
+                                            </p:txEl>
+                                          </p:spTgt>
+                                        </p:tgtEl>
+                                        <p:attrNameLst>
+                                          <p:attrName>style.visibility</p:attrName>
+                                        </p:attrNameLst>
+                                      </p:cBhvr>
+                                      <p:to>
+                                        <p:strVal val="visible"/>
+                                      </p:to>
+                                    </p:set>
+                                  </p:childTnLst>
+                                </p:cTn>
+                              </p:par>
+                            </p:childTnLst>
+                          </p:cTn>
+                        </p:par>
+                      </p:childTnLst>
+                    </p:cTn>
+                  </p:par>
+                  <p:par>
+                    <p:cTn id="15" fill="hold">
+                      <p:stCondLst>
+                        <p:cond delay="indefinite"/>
+                      </p:stCondLst>
+                      <p:childTnLst>
+                        <p:par>
+                          <p:cTn id="16" fill="hold">
+                            <p:stCondLst>
+                              <p:cond delay="0"/>
+                            </p:stCondLst>
+                            <p:childTnLst>
+                              <p:par>
+                                <p:cTn id="17" presetID="1" presetClass="entr" presetSubtype="0" fill="hold" nodeType="clickEffect">
+                                  <p:stCondLst>
+                                    <p:cond delay="0"/>
+                                  </p:stCondLst>
+                                  <p:childTnLst>
+                                    <p:set>
+                                      <p:cBhvr>
+                                        <p:cTn id="18" dur="1" fill="hold">
+                                          <p:stCondLst>
+                                            <p:cond delay="0"/>
+                                          </p:stCondLst>
+                                        </p:cTn>
+                                        <p:tgtEl>
+                                          <p:spTgt spid="4">
+                                            <p:txEl>
+                                              <p:pRg st="3" end="3"/>
+                                            </p:txEl>
+                                          </p:spTgt>
+                                        </p:tgtEl>
+                                        <p:attrNameLst>
+                                          <p:attrName>style.visibility</p:attrName>
+                                        </p:attrNameLst>
+                                      </p:cBhvr>
+                                      <p:to>
+                                        <p:strVal val="visible"/>
+                                      </p:to>
+                                    </p:set>
+                                  </p:childTnLst>
+                                </p:cTn>
+                              </p:par>
+                            </p:childTnLst>
+                          </p:cTn>
+                        </p:par>
+                      </p:childTnLst>
+                    </p:cTn>
+                  </p:par>
+                  <p:par>
+                    <p:cTn id="19" fill="hold">
+                      <p:stCondLst>
+                        <p:cond delay="indefinite"/>
+                      </p:stCondLst>
+                      <p:childTnLst>
+                        <p:par>
+                          <p:cTn id="20" fill="hold">
+                            <p:stCondLst>
+                              <p:cond delay="0"/>
+                            </p:stCondLst>
+                            <p:childTnLst>
+                              <p:par>
+                                <p:cTn id="21" presetID="1" presetClass="entr" presetSubtype="0" fill="hold" nodeType="clickEffect">
+                                  <p:stCondLst>
+                                    <p:cond delay="0"/>
+                                  </p:stCondLst>
+                                  <p:childTnLst>
+                                    <p:set>
+                                      <p:cBhvr>
+                                        <p:cTn id="22" dur="1" fill="hold">
+                                          <p:stCondLst>
+                                            <p:cond delay="0"/>
+                                          </p:stCondLst>
+                                        </p:cTn>
+                                        <p:tgtEl>
+                                          <p:spTgt spid="4">
+                                            <p:txEl>
+                                              <p:pRg st="4" end="4"/>
+                                            </p:txEl>
+                                          </p:spTgt>
+                                        </p:tgtEl>
+                                        <p:attrNameLst>
+                                          <p:attrName>style.visibility</p:attrName>
+                                        </p:attrNameLst>
+                                      </p:cBhvr>
+                                      <p:to>
+                                        <p:strVal val="visible"/>
+                                      </p:to>
+                                    </p:set>
+                                  </p:childTnLst>
+                                </p:cTn>
+                              </p:par>
+                            </p:childTnLst>
+                          </p:cTn>
+                        </p:par>
+                      </p:childTnLst>
+                    </p:cTn>
+                  </p:par>
+                  <p:par>
+                    <p:cTn id="23" fill="hold">
+                      <p:stCondLst>
+                        <p:cond delay="indefinite"/>
+                      </p:stCondLst>
+                      <p:childTnLst>
+                        <p:par>
+                          <p:cTn id="24" fill="hold">
+                            <p:stCondLst>
+                              <p:cond delay="0"/>
+                            </p:stCondLst>
+                            <p:childTnLst>
+                              <p:par>
+                                <p:cTn id="25" presetID="1" presetClass="entr" presetSubtype="0" fill="hold" nodeType="clickEffect">
+                                  <p:stCondLst>
+                                    <p:cond delay="0"/>
+                                  </p:stCondLst>
+                                  <p:childTnLst>
+                                    <p:set>
+                                      <p:cBhvr>
+                                        <p:cTn id="26" dur="1" fill="hold">
+                                          <p:stCondLst>
+                                            <p:cond delay="0"/>
+                                          </p:stCondLst>
+                                        </p:cTn>
+                                        <p:tgtEl>
+                                          <p:spTgt spid="4">
+                                            <p:txEl>
+                                              <p:pRg st="5" end="5"/>
+                                            </p:txEl>
+                                          </p:spTgt>
+                                        </p:tgtEl>
+                                        <p:attrNameLst>
+                                          <p:attrName>style.visibility</p:attrName>
+                                        </p:attrNameLst>
+                                      </p:cBhvr>
+                                      <p:to>
+                                        <p:strVal val="visible"/>
+                                      </p:to>
+                                    </p:set>
+                                  </p:childTnLst>
+                                </p:cTn>
+                              </p:par>
+                            </p:childTnLst>
+                          </p:cTn>
+                        </p:par>
+                      </p:childTnLst>
+                    </p:cTn>
+                  </p:par>
+                  <p:par>
+                    <p:cTn id="27" fill="hold">
+                      <p:stCondLst>
+                        <p:cond delay="indefinite"/>
+                      </p:stCondLst>
+                      <p:childTnLst>
+                        <p:par>
+                          <p:cTn id="28" fill="hold">
+                            <p:stCondLst>
+                              <p:cond delay="0"/>
+                            </p:stCondLst>
+                            <p:childTnLst>
+                              <p:par>
+                                <p:cTn id="29" presetID="1" presetClass="entr" presetSubtype="0" fill="hold" nodeType="clickEffect">
+                                  <p:stCondLst>
+                                    <p:cond delay="0"/>
+                                  </p:stCondLst>
+                                  <p:childTnLst>
+                                    <p:set>
+                                      <p:cBhvr>
+                                        <p:cTn id="30" dur="1" fill="hold">
+                                          <p:stCondLst>
+                                            <p:cond delay="0"/>
+                                          </p:stCondLst>
+                                        </p:cTn>
+                                        <p:tgtEl>
+                                          <p:spTgt spid="4">
+                                            <p:txEl>
+                                              <p:pRg st="6" end="6"/>
+                                            </p:txEl>
+                                          </p:spTgt>
+                                        </p:tgtEl>
+                                        <p:attrNameLst>
+                                          <p:attrName>style.visibility</p:attrName>
+                                        </p:attrNameLst>
+                                      </p:cBhvr>
+                                      <p:to>
+                                        <p:strVal val="visible"/>
+                                      </p:to>
+                                    </p:set>
+                                  </p:childTnLst>
+                                </p:cTn>
+                              </p:par>
+                            </p:childTnLst>
+                          </p:cTn>
+                        </p:par>
+                      </p:childTnLst>
+                    </p:cTn>
+                  </p:par>
+                  <p:par>
+                    <p:cTn id="31" fill="hold">
+                      <p:stCondLst>
+                        <p:cond delay="indefinite"/>
+                      </p:stCondLst>
+                      <p:childTnLst>
+                        <p:par>
+                          <p:cTn id="32" fill="hold">
+                            <p:stCondLst>
+                              <p:cond delay="0"/>
+                            </p:stCondLst>
+                            <p:childTnLst>
+                              <p:par>
+                                <p:cTn id="33" presetID="1" presetClass="entr" presetSubtype="0" fill="hold" nodeType="clickEffect">
+                                  <p:stCondLst>
+                                    <p:cond delay="0"/>
+                                  </p:stCondLst>
+                                  <p:childTnLst>
+                                    <p:set>
+                                      <p:cBhvr>
+                                        <p:cTn id="34" dur="1" fill="hold">
+                                          <p:stCondLst>
+                                            <p:cond delay="0"/>
+                                          </p:stCondLst>
+                                        </p:cTn>
+                                        <p:tgtEl>
+                                          <p:spTgt spid="4">
+                                            <p:txEl>
+                                              <p:pRg st="7" end="7"/>
                                             </p:txEl>
                                           </p:spTgt>
                                         </p:tgtEl>

--- a/Java SE 8 Teaching Material/Chapter 7 - Using Decision Statement.pptx
+++ b/Java SE 8 Teaching Material/Chapter 7 - Using Decision Statement.pptx
@@ -1602,7 +1602,7 @@
           <a:p>
             <a:fld id="{7664DC43-F744-704A-A194-E80C7BE54CAA}" type="datetimeFigureOut">
               <a:rPr lang="en-VN" smtClean="0"/>
-              <a:t>25/8/24</a:t>
+              <a:t>08/25/2024</a:t>
             </a:fld>
             <a:endParaRPr lang="en-VN"/>
           </a:p>
@@ -2017,7 +2017,7 @@
           <a:p>
             <a:fld id="{BAA8DE05-51EE-4692-B197-877FA1DAAAED}" type="datetimeFigureOut">
               <a:rPr lang="en-US" smtClean="0"/>
-              <a:t>8/25/24</a:t>
+              <a:t>8/25/2024</a:t>
             </a:fld>
             <a:endParaRPr lang="en-US"/>
           </a:p>
@@ -2215,7 +2215,7 @@
           <a:p>
             <a:fld id="{BAA8DE05-51EE-4692-B197-877FA1DAAAED}" type="datetimeFigureOut">
               <a:rPr lang="en-US" smtClean="0"/>
-              <a:t>8/25/24</a:t>
+              <a:t>8/25/2024</a:t>
             </a:fld>
             <a:endParaRPr lang="en-US"/>
           </a:p>
@@ -2423,7 +2423,7 @@
           <a:p>
             <a:fld id="{BAA8DE05-51EE-4692-B197-877FA1DAAAED}" type="datetimeFigureOut">
               <a:rPr lang="en-US" smtClean="0"/>
-              <a:t>8/25/24</a:t>
+              <a:t>8/25/2024</a:t>
             </a:fld>
             <a:endParaRPr lang="en-US"/>
           </a:p>
@@ -2621,7 +2621,7 @@
           <a:p>
             <a:fld id="{BAA8DE05-51EE-4692-B197-877FA1DAAAED}" type="datetimeFigureOut">
               <a:rPr lang="en-US" smtClean="0"/>
-              <a:t>8/25/24</a:t>
+              <a:t>8/25/2024</a:t>
             </a:fld>
             <a:endParaRPr lang="en-US"/>
           </a:p>
@@ -2896,7 +2896,7 @@
           <a:p>
             <a:fld id="{BAA8DE05-51EE-4692-B197-877FA1DAAAED}" type="datetimeFigureOut">
               <a:rPr lang="en-US" smtClean="0"/>
-              <a:t>8/25/24</a:t>
+              <a:t>8/25/2024</a:t>
             </a:fld>
             <a:endParaRPr lang="en-US"/>
           </a:p>
@@ -3161,7 +3161,7 @@
           <a:p>
             <a:fld id="{BAA8DE05-51EE-4692-B197-877FA1DAAAED}" type="datetimeFigureOut">
               <a:rPr lang="en-US" smtClean="0"/>
-              <a:t>8/25/24</a:t>
+              <a:t>8/25/2024</a:t>
             </a:fld>
             <a:endParaRPr lang="en-US"/>
           </a:p>
@@ -3573,7 +3573,7 @@
           <a:p>
             <a:fld id="{BAA8DE05-51EE-4692-B197-877FA1DAAAED}" type="datetimeFigureOut">
               <a:rPr lang="en-US" smtClean="0"/>
-              <a:t>8/25/24</a:t>
+              <a:t>8/25/2024</a:t>
             </a:fld>
             <a:endParaRPr lang="en-US"/>
           </a:p>
@@ -3714,7 +3714,7 @@
           <a:p>
             <a:fld id="{BAA8DE05-51EE-4692-B197-877FA1DAAAED}" type="datetimeFigureOut">
               <a:rPr lang="en-US" smtClean="0"/>
-              <a:t>8/25/24</a:t>
+              <a:t>8/25/2024</a:t>
             </a:fld>
             <a:endParaRPr lang="en-US"/>
           </a:p>
@@ -3827,7 +3827,7 @@
           <a:p>
             <a:fld id="{BAA8DE05-51EE-4692-B197-877FA1DAAAED}" type="datetimeFigureOut">
               <a:rPr lang="en-US" smtClean="0"/>
-              <a:t>8/25/24</a:t>
+              <a:t>8/25/2024</a:t>
             </a:fld>
             <a:endParaRPr lang="en-US"/>
           </a:p>
@@ -4138,7 +4138,7 @@
           <a:p>
             <a:fld id="{BAA8DE05-51EE-4692-B197-877FA1DAAAED}" type="datetimeFigureOut">
               <a:rPr lang="en-US" smtClean="0"/>
-              <a:t>8/25/24</a:t>
+              <a:t>8/25/2024</a:t>
             </a:fld>
             <a:endParaRPr lang="en-US"/>
           </a:p>
@@ -4426,7 +4426,7 @@
           <a:p>
             <a:fld id="{BAA8DE05-51EE-4692-B197-877FA1DAAAED}" type="datetimeFigureOut">
               <a:rPr lang="en-US" smtClean="0"/>
-              <a:t>8/25/24</a:t>
+              <a:t>8/25/2024</a:t>
             </a:fld>
             <a:endParaRPr lang="en-US"/>
           </a:p>
@@ -4667,7 +4667,7 @@
           <a:p>
             <a:fld id="{BAA8DE05-51EE-4692-B197-877FA1DAAAED}" type="datetimeFigureOut">
               <a:rPr lang="en-US" smtClean="0"/>
-              <a:t>8/25/24</a:t>
+              <a:t>8/25/2024</a:t>
             </a:fld>
             <a:endParaRPr lang="en-US"/>
           </a:p>
